--- a/Remise/Remise 4/RAF.pptx
+++ b/Remise/Remise 4/RAF.pptx
@@ -132,7 +132,7 @@
   </p:defaultTextStyle>
   <p:extLst>
     <p:ext uri="{EFAFB233-063F-42B5-8137-9DF3F51BA10A}">
-      <p15:sldGuideLst xmlns:p15="http://schemas.microsoft.com/office/powerpoint/2012/main" xmlns="">
+      <p15:sldGuideLst xmlns="" xmlns:p15="http://schemas.microsoft.com/office/powerpoint/2012/main">
         <p15:guide id="1" orient="horz" pos="2160">
           <p15:clr>
             <a:srgbClr val="A4A3A4"/>
@@ -231,7 +231,7 @@
           <a:p>
             <a:fld id="{33F7F89F-35B5-A34B-B7C8-DC49B77156D3}" type="datetimeFigureOut">
               <a:rPr lang="en-US" smtClean="0"/>
-              <a:t>2014-04-20</a:t>
+              <a:t>2014-04-21</a:t>
             </a:fld>
             <a:endParaRPr lang="en-US"/>
           </a:p>
@@ -1481,7 +1481,7 @@
                 <a:latin typeface="Trebuchet MS"/>
               </a:rPr>
               <a:pPr/>
-              <a:t>2014-04-20</a:t>
+              <a:t>2014-04-21</a:t>
             </a:fld>
             <a:endParaRPr lang="en-US">
               <a:solidFill>
@@ -1777,7 +1777,7 @@
                 <a:latin typeface="Trebuchet MS"/>
               </a:rPr>
               <a:pPr/>
-              <a:t>2014-04-20</a:t>
+              <a:t>2014-04-21</a:t>
             </a:fld>
             <a:endParaRPr lang="en-US">
               <a:solidFill>
@@ -2061,7 +2061,7 @@
                 <a:latin typeface="Trebuchet MS"/>
               </a:rPr>
               <a:pPr/>
-              <a:t>2014-04-20</a:t>
+              <a:t>2014-04-21</a:t>
             </a:fld>
             <a:endParaRPr lang="en-US">
               <a:solidFill>
@@ -2408,7 +2408,7 @@
                 <a:latin typeface="Trebuchet MS"/>
               </a:rPr>
               <a:pPr/>
-              <a:t>2014-04-20</a:t>
+              <a:t>2014-04-21</a:t>
             </a:fld>
             <a:endParaRPr lang="en-US">
               <a:solidFill>
@@ -2781,7 +2781,7 @@
                 <a:latin typeface="Trebuchet MS"/>
               </a:rPr>
               <a:pPr/>
-              <a:t>2014-04-20</a:t>
+              <a:t>2014-04-21</a:t>
             </a:fld>
             <a:endParaRPr lang="en-US">
               <a:solidFill>
@@ -3128,7 +3128,7 @@
                 <a:latin typeface="Trebuchet MS"/>
               </a:rPr>
               <a:pPr/>
-              <a:t>2014-04-20</a:t>
+              <a:t>2014-04-21</a:t>
             </a:fld>
             <a:endParaRPr lang="en-US">
               <a:solidFill>
@@ -3552,7 +3552,7 @@
                 <a:latin typeface="Trebuchet MS"/>
               </a:rPr>
               <a:pPr/>
-              <a:t>2014-04-20</a:t>
+              <a:t>2014-04-21</a:t>
             </a:fld>
             <a:endParaRPr lang="en-US">
               <a:solidFill>
@@ -3755,7 +3755,7 @@
                 <a:latin typeface="Trebuchet MS"/>
               </a:rPr>
               <a:pPr/>
-              <a:t>2014-04-20</a:t>
+              <a:t>2014-04-21</a:t>
             </a:fld>
             <a:endParaRPr lang="en-US">
               <a:solidFill>
@@ -3968,7 +3968,7 @@
                 <a:latin typeface="Trebuchet MS"/>
               </a:rPr>
               <a:pPr/>
-              <a:t>2014-04-20</a:t>
+              <a:t>2014-04-21</a:t>
             </a:fld>
             <a:endParaRPr lang="en-US">
               <a:solidFill>
@@ -4258,7 +4258,7 @@
                 <a:latin typeface="Trebuchet MS"/>
               </a:rPr>
               <a:pPr/>
-              <a:t>2014-04-20</a:t>
+              <a:t>2014-04-21</a:t>
             </a:fld>
             <a:endParaRPr lang="en-US" dirty="0">
               <a:solidFill>
@@ -4467,7 +4467,7 @@
                 <a:latin typeface="Trebuchet MS"/>
               </a:rPr>
               <a:pPr/>
-              <a:t>2014-04-20</a:t>
+              <a:t>2014-04-21</a:t>
             </a:fld>
             <a:endParaRPr lang="en-US">
               <a:solidFill>
@@ -4747,7 +4747,7 @@
                 <a:latin typeface="Trebuchet MS"/>
               </a:rPr>
               <a:pPr/>
-              <a:t>2014-04-20</a:t>
+              <a:t>2014-04-21</a:t>
             </a:fld>
             <a:endParaRPr lang="en-US">
               <a:solidFill>
@@ -5012,7 +5012,7 @@
                 <a:latin typeface="Trebuchet MS"/>
               </a:rPr>
               <a:pPr/>
-              <a:t>2014-04-20</a:t>
+              <a:t>2014-04-21</a:t>
             </a:fld>
             <a:endParaRPr lang="en-US">
               <a:solidFill>
@@ -5419,7 +5419,7 @@
                 <a:latin typeface="Trebuchet MS"/>
               </a:rPr>
               <a:pPr/>
-              <a:t>2014-04-20</a:t>
+              <a:t>2014-04-21</a:t>
             </a:fld>
             <a:endParaRPr lang="en-US">
               <a:solidFill>
@@ -5575,7 +5575,7 @@
                 <a:latin typeface="Trebuchet MS"/>
               </a:rPr>
               <a:pPr/>
-              <a:t>2014-04-20</a:t>
+              <a:t>2014-04-21</a:t>
             </a:fld>
             <a:endParaRPr lang="en-US">
               <a:solidFill>
@@ -5703,7 +5703,7 @@
                 <a:latin typeface="Trebuchet MS"/>
               </a:rPr>
               <a:pPr/>
-              <a:t>2014-04-20</a:t>
+              <a:t>2014-04-21</a:t>
             </a:fld>
             <a:endParaRPr lang="en-US">
               <a:solidFill>
@@ -5836,7 +5836,7 @@
                 <a:latin typeface="Trebuchet MS"/>
               </a:rPr>
               <a:pPr/>
-              <a:t>2014-04-20</a:t>
+              <a:t>2014-04-21</a:t>
             </a:fld>
             <a:endParaRPr lang="en-US" dirty="0">
               <a:solidFill>
@@ -6664,7 +6664,7 @@
                 <a:latin typeface="Trebuchet MS"/>
               </a:rPr>
               <a:pPr/>
-              <a:t>2014-04-20</a:t>
+              <a:t>2014-04-21</a:t>
             </a:fld>
             <a:endParaRPr lang="en-US">
               <a:solidFill>
@@ -7460,7 +7460,7 @@
                 <a:latin typeface="Trebuchet MS"/>
               </a:rPr>
               <a:pPr defTabSz="914400"/>
-              <a:t>2014-04-20</a:t>
+              <a:t>2014-04-21</a:t>
             </a:fld>
             <a:endParaRPr lang="en-US">
               <a:solidFill>
@@ -8050,11 +8050,7 @@
             </a:r>
             <a:r>
               <a:rPr lang="fr-CA" dirty="0" smtClean="0"/>
-              <a:t>. (</a:t>
-            </a:r>
-            <a:r>
-              <a:rPr lang="fr-CA" dirty="0" smtClean="0"/>
-              <a:t>RAF)</a:t>
+              <a:t>. (RAF)</a:t>
             </a:r>
             <a:r>
               <a:rPr lang="en-US" dirty="0" smtClean="0"/>
@@ -16927,16 +16923,42 @@
             </a:r>
             <a:r>
               <a:rPr lang="en-US" dirty="0" smtClean="0"/>
-              <a:t> de simulation</a:t>
-            </a:r>
-            <a:r>
-              <a:rPr lang="en-US" dirty="0" smtClean="0"/>
-              <a:t>)</a:t>
+              <a:t> de simulation)</a:t>
             </a:r>
             <a:endParaRPr lang="en-US" dirty="0"/>
           </a:p>
         </p:txBody>
       </p:sp>
+      <p:pic>
+        <p:nvPicPr>
+          <p:cNvPr id="3" name="Picture 2" descr="Screenshot 2014-04-21 02.07.32.png"/>
+          <p:cNvPicPr>
+            <a:picLocks noChangeAspect="1"/>
+          </p:cNvPicPr>
+          <p:nvPr/>
+        </p:nvPicPr>
+        <p:blipFill>
+          <a:blip r:embed="rId2">
+            <a:extLst>
+              <a:ext uri="{28A0092B-C50C-407E-A947-70E740481C1C}">
+                <a14:useLocalDpi xmlns:a14="http://schemas.microsoft.com/office/drawing/2010/main" val="0"/>
+              </a:ext>
+            </a:extLst>
+          </a:blip>
+          <a:stretch>
+            <a:fillRect/>
+          </a:stretch>
+        </p:blipFill>
+        <p:spPr>
+          <a:xfrm>
+            <a:off x="120316" y="1842679"/>
+            <a:ext cx="9144000" cy="4534058"/>
+          </a:xfrm>
+          <a:prstGeom prst="rect">
+            <a:avLst/>
+          </a:prstGeom>
+        </p:spPr>
+      </p:pic>
     </p:spTree>
     <p:extLst>
       <p:ext uri="{BB962C8B-B14F-4D97-AF65-F5344CB8AC3E}">
@@ -17005,11 +17027,7 @@
             </a:r>
             <a:r>
               <a:rPr lang="en-US" dirty="0" err="1" smtClean="0"/>
-              <a:t>contr</a:t>
-            </a:r>
-            <a:r>
-              <a:rPr lang="en-US" dirty="0" err="1" smtClean="0"/>
-              <a:t>ôle</a:t>
+              <a:t>contrôle</a:t>
             </a:r>
             <a:r>
               <a:rPr lang="en-US" dirty="0"/>
@@ -17498,7 +17516,7 @@
   <a:extraClrSchemeLst/>
   <a:extLst>
     <a:ext uri="{05A4C25C-085E-4340-85A3-A5531E510DB2}">
-      <thm15:themeFamily xmlns:thm15="http://schemas.microsoft.com/office/thememl/2012/main" xmlns="" name="Facet" id="{C0C680CD-088A-49FC-A102-D699147F32B2}" vid="{CFBC31BA-B70F-4F30-BCAA-4F3011E16C4D}"/>
+      <thm15:themeFamily xmlns="" xmlns:thm15="http://schemas.microsoft.com/office/thememl/2012/main" name="Facet" id="{C0C680CD-088A-49FC-A102-D699147F32B2}" vid="{CFBC31BA-B70F-4F30-BCAA-4F3011E16C4D}"/>
     </a:ext>
   </a:extLst>
 </a:theme>

--- a/Remise/Remise 4/RAF.pptx
+++ b/Remise/Remise 4/RAF.pptx
@@ -5,7 +5,7 @@
     <p:sldMasterId id="2147483660" r:id="rId1"/>
   </p:sldMasterIdLst>
   <p:notesMasterIdLst>
-    <p:notesMasterId r:id="rId26"/>
+    <p:notesMasterId r:id="rId27"/>
   </p:notesMasterIdLst>
   <p:sldIdLst>
     <p:sldId id="257" r:id="rId2"/>
@@ -25,13 +25,14 @@
     <p:sldId id="303" r:id="rId16"/>
     <p:sldId id="300" r:id="rId17"/>
     <p:sldId id="301" r:id="rId18"/>
-    <p:sldId id="299" r:id="rId19"/>
-    <p:sldId id="302" r:id="rId20"/>
-    <p:sldId id="297" r:id="rId21"/>
-    <p:sldId id="283" r:id="rId22"/>
-    <p:sldId id="298" r:id="rId23"/>
-    <p:sldId id="285" r:id="rId24"/>
-    <p:sldId id="287" r:id="rId25"/>
+    <p:sldId id="304" r:id="rId19"/>
+    <p:sldId id="299" r:id="rId20"/>
+    <p:sldId id="302" r:id="rId21"/>
+    <p:sldId id="297" r:id="rId22"/>
+    <p:sldId id="283" r:id="rId23"/>
+    <p:sldId id="298" r:id="rId24"/>
+    <p:sldId id="285" r:id="rId25"/>
+    <p:sldId id="287" r:id="rId26"/>
   </p:sldIdLst>
   <p:sldSz cx="9144000" cy="6858000" type="screen4x3"/>
   <p:notesSz cx="7315200" cy="9601200"/>
@@ -132,7 +133,7 @@
   </p:defaultTextStyle>
   <p:extLst>
     <p:ext uri="{EFAFB233-063F-42B5-8137-9DF3F51BA10A}">
-      <p15:sldGuideLst xmlns="" xmlns:p15="http://schemas.microsoft.com/office/powerpoint/2012/main">
+      <p15:sldGuideLst xmlns:p15="http://schemas.microsoft.com/office/powerpoint/2012/main" xmlns="">
         <p15:guide id="1" orient="horz" pos="2160">
           <p15:clr>
             <a:srgbClr val="A4A3A4"/>
@@ -231,7 +232,7 @@
           <a:p>
             <a:fld id="{33F7F89F-35B5-A34B-B7C8-DC49B77156D3}" type="datetimeFigureOut">
               <a:rPr lang="en-US" smtClean="0"/>
-              <a:t>2014-04-21</a:t>
+              <a:t>4/21/2014</a:t>
             </a:fld>
             <a:endParaRPr lang="en-US"/>
           </a:p>
@@ -390,7 +391,7 @@
           <a:p>
             <a:fld id="{B4F8E8CB-F099-334A-97A8-B886ED765ADC}" type="slidenum">
               <a:rPr lang="en-US" smtClean="0"/>
-              <a:t>‹#›</a:t>
+              <a:t>‹N°›</a:t>
             </a:fld>
             <a:endParaRPr lang="en-US"/>
           </a:p>
@@ -648,7 +649,7 @@
           <a:p>
             <a:fld id="{B4F8E8CB-F099-334A-97A8-B886ED765ADC}" type="slidenum">
               <a:rPr lang="en-US" smtClean="0"/>
-              <a:t>21</a:t>
+              <a:t>22</a:t>
             </a:fld>
             <a:endParaRPr lang="en-US"/>
           </a:p>
@@ -732,7 +733,7 @@
           <a:p>
             <a:fld id="{B4F8E8CB-F099-334A-97A8-B886ED765ADC}" type="slidenum">
               <a:rPr lang="en-US" smtClean="0"/>
-              <a:t>22</a:t>
+              <a:t>23</a:t>
             </a:fld>
             <a:endParaRPr lang="en-US"/>
           </a:p>
@@ -1481,7 +1482,7 @@
                 <a:latin typeface="Trebuchet MS"/>
               </a:rPr>
               <a:pPr/>
-              <a:t>2014-04-21</a:t>
+              <a:t>4/21/2014</a:t>
             </a:fld>
             <a:endParaRPr lang="en-US">
               <a:solidFill>
@@ -1543,7 +1544,7 @@
                 <a:latin typeface="Trebuchet MS"/>
               </a:rPr>
               <a:pPr/>
-              <a:t>‹#›</a:t>
+              <a:t>‹N°›</a:t>
             </a:fld>
             <a:endParaRPr lang="en-US">
               <a:solidFill>
@@ -1777,7 +1778,7 @@
                 <a:latin typeface="Trebuchet MS"/>
               </a:rPr>
               <a:pPr/>
-              <a:t>2014-04-21</a:t>
+              <a:t>4/21/2014</a:t>
             </a:fld>
             <a:endParaRPr lang="en-US">
               <a:solidFill>
@@ -1839,7 +1840,7 @@
                 <a:latin typeface="Trebuchet MS"/>
               </a:rPr>
               <a:pPr/>
-              <a:t>‹#›</a:t>
+              <a:t>‹N°›</a:t>
             </a:fld>
             <a:endParaRPr lang="en-US">
               <a:solidFill>
@@ -2061,7 +2062,7 @@
                 <a:latin typeface="Trebuchet MS"/>
               </a:rPr>
               <a:pPr/>
-              <a:t>2014-04-21</a:t>
+              <a:t>4/21/2014</a:t>
             </a:fld>
             <a:endParaRPr lang="en-US">
               <a:solidFill>
@@ -2123,7 +2124,7 @@
                 <a:latin typeface="Trebuchet MS"/>
               </a:rPr>
               <a:pPr/>
-              <a:t>‹#›</a:t>
+              <a:t>‹N°›</a:t>
             </a:fld>
             <a:endParaRPr lang="en-US">
               <a:solidFill>
@@ -2408,7 +2409,7 @@
                 <a:latin typeface="Trebuchet MS"/>
               </a:rPr>
               <a:pPr/>
-              <a:t>2014-04-21</a:t>
+              <a:t>4/21/2014</a:t>
             </a:fld>
             <a:endParaRPr lang="en-US">
               <a:solidFill>
@@ -2470,7 +2471,7 @@
                 <a:latin typeface="Trebuchet MS"/>
               </a:rPr>
               <a:pPr/>
-              <a:t>‹#›</a:t>
+              <a:t>‹N°›</a:t>
             </a:fld>
             <a:endParaRPr lang="en-US">
               <a:solidFill>
@@ -2781,7 +2782,7 @@
                 <a:latin typeface="Trebuchet MS"/>
               </a:rPr>
               <a:pPr/>
-              <a:t>2014-04-21</a:t>
+              <a:t>4/21/2014</a:t>
             </a:fld>
             <a:endParaRPr lang="en-US">
               <a:solidFill>
@@ -2843,7 +2844,7 @@
                 <a:latin typeface="Trebuchet MS"/>
               </a:rPr>
               <a:pPr/>
-              <a:t>‹#›</a:t>
+              <a:t>‹N°›</a:t>
             </a:fld>
             <a:endParaRPr lang="en-US">
               <a:solidFill>
@@ -3128,7 +3129,7 @@
                 <a:latin typeface="Trebuchet MS"/>
               </a:rPr>
               <a:pPr/>
-              <a:t>2014-04-21</a:t>
+              <a:t>4/21/2014</a:t>
             </a:fld>
             <a:endParaRPr lang="en-US">
               <a:solidFill>
@@ -3190,7 +3191,7 @@
                 <a:latin typeface="Trebuchet MS"/>
               </a:rPr>
               <a:pPr/>
-              <a:t>‹#›</a:t>
+              <a:t>‹N°›</a:t>
             </a:fld>
             <a:endParaRPr lang="en-US">
               <a:solidFill>
@@ -3552,7 +3553,7 @@
                 <a:latin typeface="Trebuchet MS"/>
               </a:rPr>
               <a:pPr/>
-              <a:t>2014-04-21</a:t>
+              <a:t>4/21/2014</a:t>
             </a:fld>
             <a:endParaRPr lang="en-US">
               <a:solidFill>
@@ -3614,7 +3615,7 @@
                 <a:latin typeface="Trebuchet MS"/>
               </a:rPr>
               <a:pPr/>
-              <a:t>‹#›</a:t>
+              <a:t>‹N°›</a:t>
             </a:fld>
             <a:endParaRPr lang="en-US">
               <a:solidFill>
@@ -3755,7 +3756,7 @@
                 <a:latin typeface="Trebuchet MS"/>
               </a:rPr>
               <a:pPr/>
-              <a:t>2014-04-21</a:t>
+              <a:t>4/21/2014</a:t>
             </a:fld>
             <a:endParaRPr lang="en-US">
               <a:solidFill>
@@ -3817,7 +3818,7 @@
                 <a:latin typeface="Trebuchet MS"/>
               </a:rPr>
               <a:pPr/>
-              <a:t>‹#›</a:t>
+              <a:t>‹N°›</a:t>
             </a:fld>
             <a:endParaRPr lang="en-US">
               <a:solidFill>
@@ -3968,7 +3969,7 @@
                 <a:latin typeface="Trebuchet MS"/>
               </a:rPr>
               <a:pPr/>
-              <a:t>2014-04-21</a:t>
+              <a:t>4/21/2014</a:t>
             </a:fld>
             <a:endParaRPr lang="en-US">
               <a:solidFill>
@@ -4030,7 +4031,7 @@
                 <a:latin typeface="Trebuchet MS"/>
               </a:rPr>
               <a:pPr/>
-              <a:t>‹#›</a:t>
+              <a:t>‹N°›</a:t>
             </a:fld>
             <a:endParaRPr lang="en-US">
               <a:solidFill>
@@ -4258,7 +4259,7 @@
                 <a:latin typeface="Trebuchet MS"/>
               </a:rPr>
               <a:pPr/>
-              <a:t>2014-04-21</a:t>
+              <a:t>4/21/2014</a:t>
             </a:fld>
             <a:endParaRPr lang="en-US" dirty="0">
               <a:solidFill>
@@ -4320,7 +4321,7 @@
                 <a:latin typeface="Trebuchet MS"/>
               </a:rPr>
               <a:pPr/>
-              <a:t>‹#›</a:t>
+              <a:t>‹N°›</a:t>
             </a:fld>
             <a:endParaRPr lang="en-US" dirty="0">
               <a:solidFill>
@@ -4467,7 +4468,7 @@
                 <a:latin typeface="Trebuchet MS"/>
               </a:rPr>
               <a:pPr/>
-              <a:t>2014-04-21</a:t>
+              <a:t>4/21/2014</a:t>
             </a:fld>
             <a:endParaRPr lang="en-US">
               <a:solidFill>
@@ -4529,7 +4530,7 @@
                 <a:latin typeface="Trebuchet MS"/>
               </a:rPr>
               <a:pPr/>
-              <a:t>‹#›</a:t>
+              <a:t>‹N°›</a:t>
             </a:fld>
             <a:endParaRPr lang="en-US">
               <a:solidFill>
@@ -4747,7 +4748,7 @@
                 <a:latin typeface="Trebuchet MS"/>
               </a:rPr>
               <a:pPr/>
-              <a:t>2014-04-21</a:t>
+              <a:t>4/21/2014</a:t>
             </a:fld>
             <a:endParaRPr lang="en-US">
               <a:solidFill>
@@ -4809,7 +4810,7 @@
                 <a:latin typeface="Trebuchet MS"/>
               </a:rPr>
               <a:pPr/>
-              <a:t>‹#›</a:t>
+              <a:t>‹N°›</a:t>
             </a:fld>
             <a:endParaRPr lang="en-US">
               <a:solidFill>
@@ -5012,7 +5013,7 @@
                 <a:latin typeface="Trebuchet MS"/>
               </a:rPr>
               <a:pPr/>
-              <a:t>2014-04-21</a:t>
+              <a:t>4/21/2014</a:t>
             </a:fld>
             <a:endParaRPr lang="en-US">
               <a:solidFill>
@@ -5074,7 +5075,7 @@
                 <a:latin typeface="Trebuchet MS"/>
               </a:rPr>
               <a:pPr/>
-              <a:t>‹#›</a:t>
+              <a:t>‹N°›</a:t>
             </a:fld>
             <a:endParaRPr lang="en-US">
               <a:solidFill>
@@ -5419,7 +5420,7 @@
                 <a:latin typeface="Trebuchet MS"/>
               </a:rPr>
               <a:pPr/>
-              <a:t>2014-04-21</a:t>
+              <a:t>4/21/2014</a:t>
             </a:fld>
             <a:endParaRPr lang="en-US">
               <a:solidFill>
@@ -5481,7 +5482,7 @@
                 <a:latin typeface="Trebuchet MS"/>
               </a:rPr>
               <a:pPr/>
-              <a:t>‹#›</a:t>
+              <a:t>‹N°›</a:t>
             </a:fld>
             <a:endParaRPr lang="en-US">
               <a:solidFill>
@@ -5575,7 +5576,7 @@
                 <a:latin typeface="Trebuchet MS"/>
               </a:rPr>
               <a:pPr/>
-              <a:t>2014-04-21</a:t>
+              <a:t>4/21/2014</a:t>
             </a:fld>
             <a:endParaRPr lang="en-US">
               <a:solidFill>
@@ -5637,7 +5638,7 @@
                 <a:latin typeface="Trebuchet MS"/>
               </a:rPr>
               <a:pPr/>
-              <a:t>‹#›</a:t>
+              <a:t>‹N°›</a:t>
             </a:fld>
             <a:endParaRPr lang="en-US">
               <a:solidFill>
@@ -5703,7 +5704,7 @@
                 <a:latin typeface="Trebuchet MS"/>
               </a:rPr>
               <a:pPr/>
-              <a:t>2014-04-21</a:t>
+              <a:t>4/21/2014</a:t>
             </a:fld>
             <a:endParaRPr lang="en-US">
               <a:solidFill>
@@ -5765,7 +5766,7 @@
                 <a:latin typeface="Trebuchet MS"/>
               </a:rPr>
               <a:pPr/>
-              <a:t>‹#›</a:t>
+              <a:t>‹N°›</a:t>
             </a:fld>
             <a:endParaRPr lang="en-US">
               <a:solidFill>
@@ -5836,7 +5837,7 @@
                 <a:latin typeface="Trebuchet MS"/>
               </a:rPr>
               <a:pPr/>
-              <a:t>2014-04-21</a:t>
+              <a:t>4/21/2014</a:t>
             </a:fld>
             <a:endParaRPr lang="en-US" dirty="0">
               <a:solidFill>
@@ -5908,7 +5909,7 @@
                 <a:latin typeface="Trebuchet MS"/>
               </a:rPr>
               <a:pPr/>
-              <a:t>‹#›</a:t>
+              <a:t>‹N°›</a:t>
             </a:fld>
             <a:endParaRPr lang="en-US">
               <a:solidFill>
@@ -6664,7 +6665,7 @@
                 <a:latin typeface="Trebuchet MS"/>
               </a:rPr>
               <a:pPr/>
-              <a:t>2014-04-21</a:t>
+              <a:t>4/21/2014</a:t>
             </a:fld>
             <a:endParaRPr lang="en-US">
               <a:solidFill>
@@ -6726,7 +6727,7 @@
                 <a:latin typeface="Trebuchet MS"/>
               </a:rPr>
               <a:pPr/>
-              <a:t>‹#›</a:t>
+              <a:t>‹N°›</a:t>
             </a:fld>
             <a:endParaRPr lang="en-US">
               <a:solidFill>
@@ -7460,7 +7461,7 @@
                 <a:latin typeface="Trebuchet MS"/>
               </a:rPr>
               <a:pPr defTabSz="914400"/>
-              <a:t>2014-04-21</a:t>
+              <a:t>4/21/2014</a:t>
             </a:fld>
             <a:endParaRPr lang="en-US">
               <a:solidFill>
@@ -7558,7 +7559,7 @@
                 <a:latin typeface="Trebuchet MS"/>
               </a:rPr>
               <a:pPr defTabSz="914400"/>
-              <a:t>‹#›</a:t>
+              <a:t>‹N°›</a:t>
             </a:fld>
             <a:endParaRPr lang="en-US">
               <a:solidFill>
@@ -8108,7 +8109,7 @@
   <p:timing>
     <p:tnLst>
       <p:par>
-        <p:cTn xmlns:p14="http://schemas.microsoft.com/office/powerpoint/2010/main" id="1" dur="indefinite" restart="never" nodeType="tmRoot"/>
+        <p:cTn id="1" dur="indefinite" restart="never" nodeType="tmRoot"/>
       </p:par>
     </p:tnLst>
   </p:timing>
@@ -8914,7 +8915,7 @@
       </p:grpSpPr>
       <p:sp>
         <p:nvSpPr>
-          <p:cNvPr id="2" name="Title 1"/>
+          <p:cNvPr id="2" name="Titre 1"/>
           <p:cNvSpPr>
             <a:spLocks noGrp="1"/>
           </p:cNvSpPr>
@@ -8928,26 +8929,30 @@
           <a:lstStyle/>
           <a:p>
             <a:r>
+              <a:rPr lang="en-US" dirty="0"/>
+              <a:t>Validation </a:t>
+            </a:r>
+            <a:r>
+              <a:rPr lang="en-US" dirty="0" err="1"/>
+              <a:t>croisée</a:t>
+            </a:r>
+            <a:r>
+              <a:rPr lang="en-US" dirty="0"/>
+              <a:t> </a:t>
+            </a:r>
+            <a:r>
               <a:rPr lang="en-US" dirty="0" smtClean="0"/>
-              <a:t>Validation </a:t>
-            </a:r>
-            <a:r>
-              <a:rPr lang="en-US" dirty="0" err="1" smtClean="0"/>
-              <a:t>croisée</a:t>
-            </a:r>
-            <a:r>
-              <a:rPr lang="en-US" dirty="0" smtClean="0"/>
-              <a:t> (Courant Charge)</a:t>
-            </a:r>
-            <a:endParaRPr lang="en-US" dirty="0"/>
+              <a:t>(Tension bus CC)</a:t>
+            </a:r>
+            <a:endParaRPr lang="fr-CA" dirty="0"/>
           </a:p>
         </p:txBody>
       </p:sp>
       <p:pic>
         <p:nvPicPr>
-          <p:cNvPr id="3" name="Picture 2" descr="cour_ch.JPG"/>
+          <p:cNvPr id="1026" name="Picture 2" descr="D:\LiberT\Documents\GitHub\DesignIV\Remise\Documentation_technique\Validation_croisee\fig\DCP_AFE\5u\ten_bus.JPG"/>
           <p:cNvPicPr>
-            <a:picLocks noChangeAspect="1"/>
+            <a:picLocks noChangeAspect="1" noChangeArrowheads="1"/>
           </p:cNvPicPr>
           <p:nvPr/>
         </p:nvPicPr>
@@ -8959,24 +8964,35 @@
               </a:ext>
             </a:extLst>
           </a:blip>
+          <a:srcRect/>
           <a:stretch>
             <a:fillRect/>
           </a:stretch>
         </p:blipFill>
-        <p:spPr>
+        <p:spPr bwMode="auto">
           <a:xfrm>
-            <a:off x="173790" y="1923904"/>
-            <a:ext cx="9144000" cy="4773680"/>
+            <a:off x="214134" y="2180492"/>
+            <a:ext cx="9470924" cy="4206997"/>
           </a:xfrm>
           <a:prstGeom prst="rect">
             <a:avLst/>
           </a:prstGeom>
+          <a:noFill/>
+          <a:extLst>
+            <a:ext uri="{909E8E84-426E-40DD-AFC4-6F175D3DCCD1}">
+              <a14:hiddenFill xmlns:a14="http://schemas.microsoft.com/office/drawing/2010/main">
+                <a:solidFill>
+                  <a:srgbClr val="FFFFFF"/>
+                </a:solidFill>
+              </a14:hiddenFill>
+            </a:ext>
+          </a:extLst>
         </p:spPr>
       </p:pic>
     </p:spTree>
     <p:extLst>
       <p:ext uri="{BB962C8B-B14F-4D97-AF65-F5344CB8AC3E}">
-        <p14:creationId xmlns:p14="http://schemas.microsoft.com/office/powerpoint/2010/main" val="292835286"/>
+        <p14:creationId xmlns:p14="http://schemas.microsoft.com/office/powerpoint/2010/main" val="684641484"/>
       </p:ext>
     </p:extLst>
   </p:cSld>
@@ -9028,7 +9044,7 @@
             </a:r>
             <a:r>
               <a:rPr lang="en-US" dirty="0" smtClean="0"/>
-              <a:t> (Courant IGBT DCP-DCN)</a:t>
+              <a:t> (Courant Charge)</a:t>
             </a:r>
             <a:endParaRPr lang="en-US" dirty="0"/>
           </a:p>
@@ -9036,7 +9052,7 @@
       </p:sp>
       <p:pic>
         <p:nvPicPr>
-          <p:cNvPr id="4" name="Picture 3" descr="hash_cou_IGBT-1.JPG"/>
+          <p:cNvPr id="3" name="Picture 2" descr="cour_ch.JPG"/>
           <p:cNvPicPr>
             <a:picLocks noChangeAspect="1"/>
           </p:cNvPicPr>
@@ -9056,8 +9072,8 @@
         </p:blipFill>
         <p:spPr>
           <a:xfrm>
-            <a:off x="120318" y="2157592"/>
-            <a:ext cx="8930106" cy="3878994"/>
+            <a:off x="173790" y="1923904"/>
+            <a:ext cx="9144000" cy="4773680"/>
           </a:xfrm>
           <a:prstGeom prst="rect">
             <a:avLst/>
@@ -9067,7 +9083,7 @@
     </p:spTree>
     <p:extLst>
       <p:ext uri="{BB962C8B-B14F-4D97-AF65-F5344CB8AC3E}">
-        <p14:creationId xmlns:p14="http://schemas.microsoft.com/office/powerpoint/2010/main" val="787714623"/>
+        <p14:creationId xmlns:p14="http://schemas.microsoft.com/office/powerpoint/2010/main" val="292835286"/>
       </p:ext>
     </p:extLst>
   </p:cSld>
@@ -9270,14 +9286,14 @@
             <a:noFill/>
           </a:ln>
           <a:extLst>
-            <a:ext uri="{909E8E84-426E-40dd-AFC4-6F175D3DCCD1}">
+            <a:ext uri="{909E8E84-426E-40DD-AFC4-6F175D3DCCD1}">
               <a14:hiddenFill xmlns:a14="http://schemas.microsoft.com/office/drawing/2010/main">
                 <a:solidFill>
                   <a:srgbClr val="FFFFFF"/>
                 </a:solidFill>
               </a14:hiddenFill>
             </a:ext>
-            <a:ext uri="{91240B29-F687-4f45-9708-019B960494DF}">
+            <a:ext uri="{91240B29-F687-4F45-9708-019B960494DF}">
               <a14:hiddenLine xmlns:a14="http://schemas.microsoft.com/office/drawing/2010/main" w="9525">
                 <a:solidFill>
                   <a:srgbClr val="000000"/>
@@ -9357,7 +9373,7 @@
   <p:timing>
     <p:tnLst>
       <p:par>
-        <p:cTn xmlns:p14="http://schemas.microsoft.com/office/powerpoint/2010/main" id="1" dur="indefinite" restart="never" nodeType="tmRoot"/>
+        <p:cTn id="1" dur="indefinite" restart="never" nodeType="tmRoot"/>
       </p:par>
     </p:tnLst>
   </p:timing>
@@ -9365,6 +9381,97 @@
 </file>
 
 <file path=ppt/slides/slide20.xml><?xml version="1.0" encoding="utf-8"?>
+<p:sld xmlns:a="http://schemas.openxmlformats.org/drawingml/2006/main" xmlns:r="http://schemas.openxmlformats.org/officeDocument/2006/relationships" xmlns:p="http://schemas.openxmlformats.org/presentationml/2006/main">
+  <p:cSld>
+    <p:spTree>
+      <p:nvGrpSpPr>
+        <p:cNvPr id="1" name=""/>
+        <p:cNvGrpSpPr/>
+        <p:nvPr/>
+      </p:nvGrpSpPr>
+      <p:grpSpPr>
+        <a:xfrm>
+          <a:off x="0" y="0"/>
+          <a:ext cx="0" cy="0"/>
+          <a:chOff x="0" y="0"/>
+          <a:chExt cx="0" cy="0"/>
+        </a:xfrm>
+      </p:grpSpPr>
+      <p:sp>
+        <p:nvSpPr>
+          <p:cNvPr id="2" name="Title 1"/>
+          <p:cNvSpPr>
+            <a:spLocks noGrp="1"/>
+          </p:cNvSpPr>
+          <p:nvPr>
+            <p:ph type="title"/>
+          </p:nvPr>
+        </p:nvSpPr>
+        <p:spPr/>
+        <p:txBody>
+          <a:bodyPr/>
+          <a:lstStyle/>
+          <a:p>
+            <a:r>
+              <a:rPr lang="en-US" dirty="0" smtClean="0"/>
+              <a:t>Validation </a:t>
+            </a:r>
+            <a:r>
+              <a:rPr lang="en-US" dirty="0" err="1" smtClean="0"/>
+              <a:t>croisée</a:t>
+            </a:r>
+            <a:r>
+              <a:rPr lang="en-US" dirty="0" smtClean="0"/>
+              <a:t> (Courant IGBT DCP-DCN)</a:t>
+            </a:r>
+            <a:endParaRPr lang="en-US" dirty="0"/>
+          </a:p>
+        </p:txBody>
+      </p:sp>
+      <p:pic>
+        <p:nvPicPr>
+          <p:cNvPr id="4" name="Picture 3" descr="hash_cou_IGBT-1.JPG"/>
+          <p:cNvPicPr>
+            <a:picLocks noChangeAspect="1"/>
+          </p:cNvPicPr>
+          <p:nvPr/>
+        </p:nvPicPr>
+        <p:blipFill>
+          <a:blip r:embed="rId2">
+            <a:extLst>
+              <a:ext uri="{28A0092B-C50C-407E-A947-70E740481C1C}">
+                <a14:useLocalDpi xmlns:a14="http://schemas.microsoft.com/office/drawing/2010/main" val="0"/>
+              </a:ext>
+            </a:extLst>
+          </a:blip>
+          <a:stretch>
+            <a:fillRect/>
+          </a:stretch>
+        </p:blipFill>
+        <p:spPr>
+          <a:xfrm>
+            <a:off x="120318" y="2157592"/>
+            <a:ext cx="8930106" cy="3878994"/>
+          </a:xfrm>
+          <a:prstGeom prst="rect">
+            <a:avLst/>
+          </a:prstGeom>
+        </p:spPr>
+      </p:pic>
+    </p:spTree>
+    <p:extLst>
+      <p:ext uri="{BB962C8B-B14F-4D97-AF65-F5344CB8AC3E}">
+        <p14:creationId xmlns:p14="http://schemas.microsoft.com/office/powerpoint/2010/main" val="787714623"/>
+      </p:ext>
+    </p:extLst>
+  </p:cSld>
+  <p:clrMapOvr>
+    <a:masterClrMapping/>
+  </p:clrMapOvr>
+</p:sld>
+</file>
+
+<file path=ppt/slides/slide21.xml><?xml version="1.0" encoding="utf-8"?>
 <p:sld xmlns:a="http://schemas.openxmlformats.org/drawingml/2006/main" xmlns:r="http://schemas.openxmlformats.org/officeDocument/2006/relationships" xmlns:p="http://schemas.openxmlformats.org/presentationml/2006/main">
   <p:cSld>
     <p:spTree>
@@ -9457,7 +9564,7 @@
 </p:sld>
 </file>
 
-<file path=ppt/slides/slide21.xml><?xml version="1.0" encoding="utf-8"?>
+<file path=ppt/slides/slide22.xml><?xml version="1.0" encoding="utf-8"?>
 <p:sld xmlns:a="http://schemas.openxmlformats.org/drawingml/2006/main" xmlns:r="http://schemas.openxmlformats.org/officeDocument/2006/relationships" xmlns:p="http://schemas.openxmlformats.org/presentationml/2006/main">
   <p:cSld>
     <p:spTree>
@@ -9530,7 +9637,7 @@
         </p:nvGraphicFramePr>
         <p:xfrm>
           <a:off x="101601" y="615406"/>
-          <a:ext cx="9042400" cy="6208768"/>
+          <a:ext cx="9042400" cy="6137706"/>
         </p:xfrm>
         <a:graphic>
           <a:graphicData uri="http://schemas.openxmlformats.org/drawingml/2006/table">
@@ -13203,14 +13310,14 @@
   <p:timing>
     <p:tnLst>
       <p:par>
-        <p:cTn xmlns:p14="http://schemas.microsoft.com/office/powerpoint/2010/main" id="1" dur="indefinite" restart="never" nodeType="tmRoot"/>
+        <p:cTn id="1" dur="indefinite" restart="never" nodeType="tmRoot"/>
       </p:par>
     </p:tnLst>
   </p:timing>
 </p:sld>
 </file>
 
-<file path=ppt/slides/slide22.xml><?xml version="1.0" encoding="utf-8"?>
+<file path=ppt/slides/slide23.xml><?xml version="1.0" encoding="utf-8"?>
 <p:sld xmlns:a="http://schemas.openxmlformats.org/drawingml/2006/main" xmlns:r="http://schemas.openxmlformats.org/officeDocument/2006/relationships" xmlns:p="http://schemas.openxmlformats.org/presentationml/2006/main">
   <p:cSld>
     <p:spTree>
@@ -15351,14 +15458,14 @@
   <p:timing>
     <p:tnLst>
       <p:par>
-        <p:cTn xmlns:p14="http://schemas.microsoft.com/office/powerpoint/2010/main" id="1" dur="indefinite" restart="never" nodeType="tmRoot"/>
+        <p:cTn id="1" dur="indefinite" restart="never" nodeType="tmRoot"/>
       </p:par>
     </p:tnLst>
   </p:timing>
 </p:sld>
 </file>
 
-<file path=ppt/slides/slide23.xml><?xml version="1.0" encoding="utf-8"?>
+<file path=ppt/slides/slide24.xml><?xml version="1.0" encoding="utf-8"?>
 <p:sld xmlns:a="http://schemas.openxmlformats.org/drawingml/2006/main" xmlns:r="http://schemas.openxmlformats.org/officeDocument/2006/relationships" xmlns:p="http://schemas.openxmlformats.org/presentationml/2006/main">
   <p:cSld>
     <p:spTree>
@@ -15450,14 +15557,14 @@
   <p:timing>
     <p:tnLst>
       <p:par>
-        <p:cTn xmlns:p14="http://schemas.microsoft.com/office/powerpoint/2010/main" id="1" dur="indefinite" restart="never" nodeType="tmRoot"/>
+        <p:cTn id="1" dur="indefinite" restart="never" nodeType="tmRoot"/>
       </p:par>
     </p:tnLst>
   </p:timing>
 </p:sld>
 </file>
 
-<file path=ppt/slides/slide24.xml><?xml version="1.0" encoding="utf-8"?>
+<file path=ppt/slides/slide25.xml><?xml version="1.0" encoding="utf-8"?>
 <p:sld xmlns:a="http://schemas.openxmlformats.org/drawingml/2006/main" xmlns:r="http://schemas.openxmlformats.org/officeDocument/2006/relationships" xmlns:p="http://schemas.openxmlformats.org/presentationml/2006/main">
   <p:cSld>
     <p:spTree>
@@ -15548,7 +15655,7 @@
   <p:timing>
     <p:tnLst>
       <p:par>
-        <p:cTn xmlns:p14="http://schemas.microsoft.com/office/powerpoint/2010/main" id="1" dur="indefinite" restart="never" nodeType="tmRoot"/>
+        <p:cTn id="1" dur="indefinite" restart="never" nodeType="tmRoot"/>
       </p:par>
     </p:tnLst>
   </p:timing>
@@ -16074,7 +16181,7 @@
   <p:timing>
     <p:tnLst>
       <p:par>
-        <p:cTn xmlns:p14="http://schemas.microsoft.com/office/powerpoint/2010/main" id="1" dur="indefinite" restart="never" nodeType="tmRoot"/>
+        <p:cTn id="1" dur="indefinite" restart="never" nodeType="tmRoot"/>
       </p:par>
     </p:tnLst>
   </p:timing>
@@ -16704,7 +16811,7 @@
   <p:timing>
     <p:tnLst>
       <p:par>
-        <p:cTn xmlns:p14="http://schemas.microsoft.com/office/powerpoint/2010/main" id="1" dur="indefinite" restart="never" nodeType="tmRoot"/>
+        <p:cTn id="1" dur="indefinite" restart="never" nodeType="tmRoot"/>
       </p:par>
     </p:tnLst>
   </p:timing>
@@ -16837,7 +16944,7 @@
   <p:timing>
     <p:tnLst>
       <p:par>
-        <p:cTn xmlns:p14="http://schemas.microsoft.com/office/powerpoint/2010/main" id="1" dur="indefinite" restart="never" nodeType="tmRoot"/>
+        <p:cTn id="1" dur="indefinite" restart="never" nodeType="tmRoot"/>
       </p:par>
     </p:tnLst>
   </p:timing>
@@ -16972,7 +17079,7 @@
   <p:timing>
     <p:tnLst>
       <p:par>
-        <p:cTn xmlns:p14="http://schemas.microsoft.com/office/powerpoint/2010/main" id="1" dur="indefinite" restart="never" nodeType="tmRoot"/>
+        <p:cTn id="1" dur="indefinite" restart="never" nodeType="tmRoot"/>
       </p:par>
     </p:tnLst>
   </p:timing>
@@ -17516,7 +17623,7 @@
   <a:extraClrSchemeLst/>
   <a:extLst>
     <a:ext uri="{05A4C25C-085E-4340-85A3-A5531E510DB2}">
-      <thm15:themeFamily xmlns="" xmlns:thm15="http://schemas.microsoft.com/office/thememl/2012/main" name="Facet" id="{C0C680CD-088A-49FC-A102-D699147F32B2}" vid="{CFBC31BA-B70F-4F30-BCAA-4F3011E16C4D}"/>
+      <thm15:themeFamily xmlns:thm15="http://schemas.microsoft.com/office/thememl/2012/main" xmlns="" name="Facet" id="{C0C680CD-088A-49FC-A102-D699147F32B2}" vid="{CFBC31BA-B70F-4F30-BCAA-4F3011E16C4D}"/>
     </a:ext>
   </a:extLst>
 </a:theme>

--- a/Remise/Remise 4/RAF.pptx
+++ b/Remise/Remise 4/RAF.pptx
@@ -5,7 +5,7 @@
     <p:sldMasterId id="2147483660" r:id="rId1"/>
   </p:sldMasterIdLst>
   <p:notesMasterIdLst>
-    <p:notesMasterId r:id="rId26"/>
+    <p:notesMasterId r:id="rId27"/>
   </p:notesMasterIdLst>
   <p:sldIdLst>
     <p:sldId id="257" r:id="rId2"/>
@@ -32,6 +32,7 @@
     <p:sldId id="298" r:id="rId23"/>
     <p:sldId id="285" r:id="rId24"/>
     <p:sldId id="287" r:id="rId25"/>
+    <p:sldId id="304" r:id="rId26"/>
   </p:sldIdLst>
   <p:sldSz cx="9144000" cy="6858000" type="screen4x3"/>
   <p:notesSz cx="7315200" cy="9601200"/>
@@ -132,7 +133,7 @@
   </p:defaultTextStyle>
   <p:extLst>
     <p:ext uri="{EFAFB233-063F-42B5-8137-9DF3F51BA10A}">
-      <p15:sldGuideLst xmlns="" xmlns:p15="http://schemas.microsoft.com/office/powerpoint/2012/main">
+      <p15:sldGuideLst xmlns:p15="http://schemas.microsoft.com/office/powerpoint/2012/main" xmlns="">
         <p15:guide id="1" orient="horz" pos="2160">
           <p15:clr>
             <a:srgbClr val="A4A3A4"/>
@@ -15555,6 +15556,304 @@
 </p:sld>
 </file>
 
+<file path=ppt/slides/slide25.xml><?xml version="1.0" encoding="utf-8"?>
+<p:sld xmlns:a="http://schemas.openxmlformats.org/drawingml/2006/main" xmlns:r="http://schemas.openxmlformats.org/officeDocument/2006/relationships" xmlns:p="http://schemas.openxmlformats.org/presentationml/2006/main">
+  <p:cSld>
+    <p:spTree>
+      <p:nvGrpSpPr>
+        <p:cNvPr id="1" name=""/>
+        <p:cNvGrpSpPr/>
+        <p:nvPr/>
+      </p:nvGrpSpPr>
+      <p:grpSpPr>
+        <a:xfrm>
+          <a:off x="0" y="0"/>
+          <a:ext cx="0" cy="0"/>
+          <a:chOff x="0" y="0"/>
+          <a:chExt cx="0" cy="0"/>
+        </a:xfrm>
+      </p:grpSpPr>
+      <p:pic>
+        <p:nvPicPr>
+          <p:cNvPr id="7" name="Picture 6" descr="Image001.png"/>
+          <p:cNvPicPr>
+            <a:picLocks noChangeAspect="1"/>
+          </p:cNvPicPr>
+          <p:nvPr/>
+        </p:nvPicPr>
+        <p:blipFill>
+          <a:blip r:embed="rId2">
+            <a:extLst>
+              <a:ext uri="{28A0092B-C50C-407E-A947-70E740481C1C}">
+                <a14:useLocalDpi xmlns:a14="http://schemas.microsoft.com/office/drawing/2010/main" val="0"/>
+              </a:ext>
+            </a:extLst>
+          </a:blip>
+          <a:stretch>
+            <a:fillRect/>
+          </a:stretch>
+        </p:blipFill>
+        <p:spPr>
+          <a:xfrm>
+            <a:off x="4402132" y="4409543"/>
+            <a:ext cx="5620064" cy="2234063"/>
+          </a:xfrm>
+          <a:prstGeom prst="rect">
+            <a:avLst/>
+          </a:prstGeom>
+        </p:spPr>
+      </p:pic>
+      <p:sp>
+        <p:nvSpPr>
+          <p:cNvPr id="2" name="Title 1"/>
+          <p:cNvSpPr>
+            <a:spLocks noGrp="1"/>
+          </p:cNvSpPr>
+          <p:nvPr>
+            <p:ph type="title"/>
+          </p:nvPr>
+        </p:nvSpPr>
+        <p:spPr/>
+        <p:txBody>
+          <a:bodyPr/>
+          <a:lstStyle/>
+          <a:p>
+            <a:r>
+              <a:rPr lang="en-US" dirty="0" err="1" smtClean="0"/>
+              <a:t>Améliorations</a:t>
+            </a:r>
+            <a:r>
+              <a:rPr lang="en-US" dirty="0" smtClean="0"/>
+              <a:t> </a:t>
+            </a:r>
+            <a:r>
+              <a:rPr lang="en-US" dirty="0" err="1" smtClean="0"/>
+              <a:t>proposées</a:t>
+            </a:r>
+            <a:endParaRPr lang="en-US" dirty="0"/>
+          </a:p>
+        </p:txBody>
+      </p:sp>
+      <p:sp>
+        <p:nvSpPr>
+          <p:cNvPr id="3" name="Content Placeholder 2"/>
+          <p:cNvSpPr>
+            <a:spLocks noGrp="1"/>
+          </p:cNvSpPr>
+          <p:nvPr>
+            <p:ph idx="1"/>
+          </p:nvPr>
+        </p:nvSpPr>
+        <p:spPr>
+          <a:xfrm>
+            <a:off x="508001" y="1905495"/>
+            <a:ext cx="7914104" cy="3768731"/>
+          </a:xfrm>
+        </p:spPr>
+        <p:txBody>
+          <a:bodyPr/>
+          <a:lstStyle/>
+          <a:p>
+            <a:r>
+              <a:rPr lang="en-US" dirty="0" err="1" smtClean="0"/>
+              <a:t>Méthode</a:t>
+            </a:r>
+            <a:r>
+              <a:rPr lang="en-US" dirty="0" smtClean="0"/>
+              <a:t> de </a:t>
+            </a:r>
+            <a:r>
+              <a:rPr lang="en-US" dirty="0" err="1" smtClean="0"/>
+              <a:t>contr</a:t>
+            </a:r>
+            <a:r>
+              <a:rPr lang="en-US" dirty="0" err="1" smtClean="0"/>
+              <a:t>ôle</a:t>
+            </a:r>
+            <a:r>
+              <a:rPr lang="en-US" dirty="0" smtClean="0"/>
+              <a:t> RST </a:t>
+            </a:r>
+            <a:r>
+              <a:rPr lang="en-US" dirty="0" err="1" smtClean="0"/>
+              <a:t>à</a:t>
+            </a:r>
+            <a:r>
+              <a:rPr lang="en-US" dirty="0" smtClean="0"/>
+              <a:t> </a:t>
+            </a:r>
+            <a:r>
+              <a:rPr lang="en-US" dirty="0" err="1" smtClean="0"/>
+              <a:t>investiguer</a:t>
+            </a:r>
+            <a:r>
+              <a:rPr lang="en-US" dirty="0" smtClean="0"/>
+              <a:t> pour </a:t>
+            </a:r>
+            <a:r>
+              <a:rPr lang="en-US" dirty="0" err="1" smtClean="0"/>
+              <a:t>obtenir</a:t>
+            </a:r>
+            <a:r>
+              <a:rPr lang="en-US" dirty="0" smtClean="0"/>
+              <a:t> </a:t>
+            </a:r>
+            <a:r>
+              <a:rPr lang="en-US" dirty="0" err="1" smtClean="0"/>
+              <a:t>une</a:t>
+            </a:r>
+            <a:r>
+              <a:rPr lang="en-US" dirty="0" smtClean="0"/>
+              <a:t> </a:t>
+            </a:r>
+            <a:r>
+              <a:rPr lang="en-US" dirty="0" err="1" smtClean="0"/>
+              <a:t>précision</a:t>
+            </a:r>
+            <a:r>
+              <a:rPr lang="en-US" dirty="0" smtClean="0"/>
+              <a:t> </a:t>
+            </a:r>
+            <a:r>
+              <a:rPr lang="en-US" dirty="0" err="1" smtClean="0"/>
+              <a:t>similaire</a:t>
+            </a:r>
+            <a:r>
+              <a:rPr lang="en-US" dirty="0" smtClean="0"/>
+              <a:t>  au CERN</a:t>
+            </a:r>
+          </a:p>
+          <a:p>
+            <a:r>
+              <a:rPr lang="en-US" dirty="0" err="1" smtClean="0"/>
+              <a:t>Optimisation</a:t>
+            </a:r>
+            <a:r>
+              <a:rPr lang="en-US" dirty="0" smtClean="0"/>
+              <a:t> de la </a:t>
+            </a:r>
+            <a:r>
+              <a:rPr lang="en-US" dirty="0" err="1" smtClean="0"/>
+              <a:t>commande</a:t>
+            </a:r>
+            <a:r>
+              <a:rPr lang="en-US" dirty="0" smtClean="0"/>
+              <a:t> pour </a:t>
+            </a:r>
+            <a:r>
+              <a:rPr lang="en-US" dirty="0" err="1" smtClean="0"/>
+              <a:t>l’AFE</a:t>
+            </a:r>
+            <a:r>
+              <a:rPr lang="en-US" dirty="0" smtClean="0"/>
+              <a:t> 3 </a:t>
+            </a:r>
+            <a:r>
+              <a:rPr lang="en-US" dirty="0" err="1" smtClean="0"/>
+              <a:t>niveaux</a:t>
+            </a:r>
+            <a:r>
+              <a:rPr lang="en-US" dirty="0" smtClean="0"/>
+              <a:t> (</a:t>
+            </a:r>
+            <a:r>
+              <a:rPr lang="en-US" dirty="0" err="1" smtClean="0"/>
+              <a:t>contrôle</a:t>
+            </a:r>
+            <a:r>
+              <a:rPr lang="en-US" dirty="0" smtClean="0"/>
+              <a:t> du courant maximal et </a:t>
+            </a:r>
+            <a:r>
+              <a:rPr lang="en-US" dirty="0" err="1" smtClean="0"/>
+              <a:t>contrôle</a:t>
+            </a:r>
+            <a:r>
+              <a:rPr lang="en-US" dirty="0" smtClean="0"/>
+              <a:t> de phase)</a:t>
+            </a:r>
+          </a:p>
+          <a:p>
+            <a:r>
+              <a:rPr lang="en-US" dirty="0" err="1" smtClean="0"/>
+              <a:t>Intégration</a:t>
+            </a:r>
+            <a:r>
+              <a:rPr lang="en-US" dirty="0" smtClean="0"/>
+              <a:t> du </a:t>
+            </a:r>
+            <a:r>
+              <a:rPr lang="en-US" dirty="0" err="1" smtClean="0"/>
+              <a:t>convertisseur</a:t>
+            </a:r>
+            <a:r>
+              <a:rPr lang="en-US" dirty="0" smtClean="0"/>
+              <a:t> (CA/CC) au </a:t>
+            </a:r>
+            <a:r>
+              <a:rPr lang="en-US" dirty="0" err="1" smtClean="0"/>
+              <a:t>niveau</a:t>
+            </a:r>
+            <a:r>
+              <a:rPr lang="en-US" dirty="0" smtClean="0"/>
+              <a:t> charge</a:t>
+            </a:r>
+          </a:p>
+          <a:p>
+            <a:endParaRPr lang="en-US" dirty="0"/>
+          </a:p>
+        </p:txBody>
+      </p:sp>
+      <p:pic>
+        <p:nvPicPr>
+          <p:cNvPr id="4" name="Picture 3" descr="Screen Shot 2014-04-21 at 10.38.16 AM.png"/>
+          <p:cNvPicPr>
+            <a:picLocks noChangeAspect="1"/>
+          </p:cNvPicPr>
+          <p:nvPr/>
+        </p:nvPicPr>
+        <p:blipFill>
+          <a:blip r:embed="rId3">
+            <a:extLst>
+              <a:ext uri="{28A0092B-C50C-407E-A947-70E740481C1C}">
+                <a14:useLocalDpi xmlns:a14="http://schemas.microsoft.com/office/drawing/2010/main" val="0"/>
+              </a:ext>
+            </a:extLst>
+          </a:blip>
+          <a:stretch>
+            <a:fillRect/>
+          </a:stretch>
+        </p:blipFill>
+        <p:spPr>
+          <a:xfrm>
+            <a:off x="508001" y="3678086"/>
+            <a:ext cx="4673133" cy="1996140"/>
+          </a:xfrm>
+          <a:prstGeom prst="rect">
+            <a:avLst/>
+          </a:prstGeom>
+        </p:spPr>
+      </p:pic>
+    </p:spTree>
+    <p:extLst>
+      <p:ext uri="{BB962C8B-B14F-4D97-AF65-F5344CB8AC3E}">
+        <p14:creationId xmlns:p14="http://schemas.microsoft.com/office/powerpoint/2010/main" val="1871755260"/>
+      </p:ext>
+    </p:extLst>
+  </p:cSld>
+  <p:clrMapOvr>
+    <a:masterClrMapping/>
+  </p:clrMapOvr>
+  <p:timing>
+    <p:tnLst>
+      <p:par>
+        <p:cTn xmlns:p14="http://schemas.microsoft.com/office/powerpoint/2010/main" id="1" dur="indefinite" restart="never" nodeType="tmRoot"/>
+      </p:par>
+    </p:tnLst>
+  </p:timing>
+</p:sld>
+</file>
+
 <file path=ppt/slides/slide3.xml><?xml version="1.0" encoding="utf-8"?>
 <p:sld xmlns:a="http://schemas.openxmlformats.org/drawingml/2006/main" xmlns:r="http://schemas.openxmlformats.org/officeDocument/2006/relationships" xmlns:p="http://schemas.openxmlformats.org/presentationml/2006/main">
   <p:cSld>
@@ -17516,7 +17815,7 @@
   <a:extraClrSchemeLst/>
   <a:extLst>
     <a:ext uri="{05A4C25C-085E-4340-85A3-A5531E510DB2}">
-      <thm15:themeFamily xmlns="" xmlns:thm15="http://schemas.microsoft.com/office/thememl/2012/main" name="Facet" id="{C0C680CD-088A-49FC-A102-D699147F32B2}" vid="{CFBC31BA-B70F-4F30-BCAA-4F3011E16C4D}"/>
+      <thm15:themeFamily xmlns:thm15="http://schemas.microsoft.com/office/thememl/2012/main" xmlns="" name="Facet" id="{C0C680CD-088A-49FC-A102-D699147F32B2}" vid="{CFBC31BA-B70F-4F30-BCAA-4F3011E16C4D}"/>
     </a:ext>
   </a:extLst>
 </a:theme>

--- a/Remise/Remise 4/RAF.pptx
+++ b/Remise/Remise 4/RAF.pptx
@@ -5,7 +5,7 @@
     <p:sldMasterId id="2147483660" r:id="rId1"/>
   </p:sldMasterIdLst>
   <p:notesMasterIdLst>
-    <p:notesMasterId r:id="rId27"/>
+    <p:notesMasterId r:id="rId26"/>
   </p:notesMasterIdLst>
   <p:sldIdLst>
     <p:sldId id="257" r:id="rId2"/>
@@ -32,7 +32,6 @@
     <p:sldId id="298" r:id="rId23"/>
     <p:sldId id="285" r:id="rId24"/>
     <p:sldId id="287" r:id="rId25"/>
-    <p:sldId id="304" r:id="rId26"/>
   </p:sldIdLst>
   <p:sldSz cx="9144000" cy="6858000" type="screen4x3"/>
   <p:notesSz cx="7315200" cy="9601200"/>
@@ -133,7 +132,7 @@
   </p:defaultTextStyle>
   <p:extLst>
     <p:ext uri="{EFAFB233-063F-42B5-8137-9DF3F51BA10A}">
-      <p15:sldGuideLst xmlns:p15="http://schemas.microsoft.com/office/powerpoint/2012/main" xmlns="">
+      <p15:sldGuideLst xmlns="" xmlns:p15="http://schemas.microsoft.com/office/powerpoint/2012/main">
         <p15:guide id="1" orient="horz" pos="2160">
           <p15:clr>
             <a:srgbClr val="A4A3A4"/>
@@ -15556,304 +15555,6 @@
 </p:sld>
 </file>
 
-<file path=ppt/slides/slide25.xml><?xml version="1.0" encoding="utf-8"?>
-<p:sld xmlns:a="http://schemas.openxmlformats.org/drawingml/2006/main" xmlns:r="http://schemas.openxmlformats.org/officeDocument/2006/relationships" xmlns:p="http://schemas.openxmlformats.org/presentationml/2006/main">
-  <p:cSld>
-    <p:spTree>
-      <p:nvGrpSpPr>
-        <p:cNvPr id="1" name=""/>
-        <p:cNvGrpSpPr/>
-        <p:nvPr/>
-      </p:nvGrpSpPr>
-      <p:grpSpPr>
-        <a:xfrm>
-          <a:off x="0" y="0"/>
-          <a:ext cx="0" cy="0"/>
-          <a:chOff x="0" y="0"/>
-          <a:chExt cx="0" cy="0"/>
-        </a:xfrm>
-      </p:grpSpPr>
-      <p:pic>
-        <p:nvPicPr>
-          <p:cNvPr id="7" name="Picture 6" descr="Image001.png"/>
-          <p:cNvPicPr>
-            <a:picLocks noChangeAspect="1"/>
-          </p:cNvPicPr>
-          <p:nvPr/>
-        </p:nvPicPr>
-        <p:blipFill>
-          <a:blip r:embed="rId2">
-            <a:extLst>
-              <a:ext uri="{28A0092B-C50C-407E-A947-70E740481C1C}">
-                <a14:useLocalDpi xmlns:a14="http://schemas.microsoft.com/office/drawing/2010/main" val="0"/>
-              </a:ext>
-            </a:extLst>
-          </a:blip>
-          <a:stretch>
-            <a:fillRect/>
-          </a:stretch>
-        </p:blipFill>
-        <p:spPr>
-          <a:xfrm>
-            <a:off x="4402132" y="4409543"/>
-            <a:ext cx="5620064" cy="2234063"/>
-          </a:xfrm>
-          <a:prstGeom prst="rect">
-            <a:avLst/>
-          </a:prstGeom>
-        </p:spPr>
-      </p:pic>
-      <p:sp>
-        <p:nvSpPr>
-          <p:cNvPr id="2" name="Title 1"/>
-          <p:cNvSpPr>
-            <a:spLocks noGrp="1"/>
-          </p:cNvSpPr>
-          <p:nvPr>
-            <p:ph type="title"/>
-          </p:nvPr>
-        </p:nvSpPr>
-        <p:spPr/>
-        <p:txBody>
-          <a:bodyPr/>
-          <a:lstStyle/>
-          <a:p>
-            <a:r>
-              <a:rPr lang="en-US" dirty="0" err="1" smtClean="0"/>
-              <a:t>Améliorations</a:t>
-            </a:r>
-            <a:r>
-              <a:rPr lang="en-US" dirty="0" smtClean="0"/>
-              <a:t> </a:t>
-            </a:r>
-            <a:r>
-              <a:rPr lang="en-US" dirty="0" err="1" smtClean="0"/>
-              <a:t>proposées</a:t>
-            </a:r>
-            <a:endParaRPr lang="en-US" dirty="0"/>
-          </a:p>
-        </p:txBody>
-      </p:sp>
-      <p:sp>
-        <p:nvSpPr>
-          <p:cNvPr id="3" name="Content Placeholder 2"/>
-          <p:cNvSpPr>
-            <a:spLocks noGrp="1"/>
-          </p:cNvSpPr>
-          <p:nvPr>
-            <p:ph idx="1"/>
-          </p:nvPr>
-        </p:nvSpPr>
-        <p:spPr>
-          <a:xfrm>
-            <a:off x="508001" y="1905495"/>
-            <a:ext cx="7914104" cy="3768731"/>
-          </a:xfrm>
-        </p:spPr>
-        <p:txBody>
-          <a:bodyPr/>
-          <a:lstStyle/>
-          <a:p>
-            <a:r>
-              <a:rPr lang="en-US" dirty="0" err="1" smtClean="0"/>
-              <a:t>Méthode</a:t>
-            </a:r>
-            <a:r>
-              <a:rPr lang="en-US" dirty="0" smtClean="0"/>
-              <a:t> de </a:t>
-            </a:r>
-            <a:r>
-              <a:rPr lang="en-US" dirty="0" err="1" smtClean="0"/>
-              <a:t>contr</a:t>
-            </a:r>
-            <a:r>
-              <a:rPr lang="en-US" dirty="0" err="1" smtClean="0"/>
-              <a:t>ôle</a:t>
-            </a:r>
-            <a:r>
-              <a:rPr lang="en-US" dirty="0" smtClean="0"/>
-              <a:t> RST </a:t>
-            </a:r>
-            <a:r>
-              <a:rPr lang="en-US" dirty="0" err="1" smtClean="0"/>
-              <a:t>à</a:t>
-            </a:r>
-            <a:r>
-              <a:rPr lang="en-US" dirty="0" smtClean="0"/>
-              <a:t> </a:t>
-            </a:r>
-            <a:r>
-              <a:rPr lang="en-US" dirty="0" err="1" smtClean="0"/>
-              <a:t>investiguer</a:t>
-            </a:r>
-            <a:r>
-              <a:rPr lang="en-US" dirty="0" smtClean="0"/>
-              <a:t> pour </a:t>
-            </a:r>
-            <a:r>
-              <a:rPr lang="en-US" dirty="0" err="1" smtClean="0"/>
-              <a:t>obtenir</a:t>
-            </a:r>
-            <a:r>
-              <a:rPr lang="en-US" dirty="0" smtClean="0"/>
-              <a:t> </a:t>
-            </a:r>
-            <a:r>
-              <a:rPr lang="en-US" dirty="0" err="1" smtClean="0"/>
-              <a:t>une</a:t>
-            </a:r>
-            <a:r>
-              <a:rPr lang="en-US" dirty="0" smtClean="0"/>
-              <a:t> </a:t>
-            </a:r>
-            <a:r>
-              <a:rPr lang="en-US" dirty="0" err="1" smtClean="0"/>
-              <a:t>précision</a:t>
-            </a:r>
-            <a:r>
-              <a:rPr lang="en-US" dirty="0" smtClean="0"/>
-              <a:t> </a:t>
-            </a:r>
-            <a:r>
-              <a:rPr lang="en-US" dirty="0" err="1" smtClean="0"/>
-              <a:t>similaire</a:t>
-            </a:r>
-            <a:r>
-              <a:rPr lang="en-US" dirty="0" smtClean="0"/>
-              <a:t>  au CERN</a:t>
-            </a:r>
-          </a:p>
-          <a:p>
-            <a:r>
-              <a:rPr lang="en-US" dirty="0" err="1" smtClean="0"/>
-              <a:t>Optimisation</a:t>
-            </a:r>
-            <a:r>
-              <a:rPr lang="en-US" dirty="0" smtClean="0"/>
-              <a:t> de la </a:t>
-            </a:r>
-            <a:r>
-              <a:rPr lang="en-US" dirty="0" err="1" smtClean="0"/>
-              <a:t>commande</a:t>
-            </a:r>
-            <a:r>
-              <a:rPr lang="en-US" dirty="0" smtClean="0"/>
-              <a:t> pour </a:t>
-            </a:r>
-            <a:r>
-              <a:rPr lang="en-US" dirty="0" err="1" smtClean="0"/>
-              <a:t>l’AFE</a:t>
-            </a:r>
-            <a:r>
-              <a:rPr lang="en-US" dirty="0" smtClean="0"/>
-              <a:t> 3 </a:t>
-            </a:r>
-            <a:r>
-              <a:rPr lang="en-US" dirty="0" err="1" smtClean="0"/>
-              <a:t>niveaux</a:t>
-            </a:r>
-            <a:r>
-              <a:rPr lang="en-US" dirty="0" smtClean="0"/>
-              <a:t> (</a:t>
-            </a:r>
-            <a:r>
-              <a:rPr lang="en-US" dirty="0" err="1" smtClean="0"/>
-              <a:t>contrôle</a:t>
-            </a:r>
-            <a:r>
-              <a:rPr lang="en-US" dirty="0" smtClean="0"/>
-              <a:t> du courant maximal et </a:t>
-            </a:r>
-            <a:r>
-              <a:rPr lang="en-US" dirty="0" err="1" smtClean="0"/>
-              <a:t>contrôle</a:t>
-            </a:r>
-            <a:r>
-              <a:rPr lang="en-US" dirty="0" smtClean="0"/>
-              <a:t> de phase)</a:t>
-            </a:r>
-          </a:p>
-          <a:p>
-            <a:r>
-              <a:rPr lang="en-US" dirty="0" err="1" smtClean="0"/>
-              <a:t>Intégration</a:t>
-            </a:r>
-            <a:r>
-              <a:rPr lang="en-US" dirty="0" smtClean="0"/>
-              <a:t> du </a:t>
-            </a:r>
-            <a:r>
-              <a:rPr lang="en-US" dirty="0" err="1" smtClean="0"/>
-              <a:t>convertisseur</a:t>
-            </a:r>
-            <a:r>
-              <a:rPr lang="en-US" dirty="0" smtClean="0"/>
-              <a:t> (CA/CC) au </a:t>
-            </a:r>
-            <a:r>
-              <a:rPr lang="en-US" dirty="0" err="1" smtClean="0"/>
-              <a:t>niveau</a:t>
-            </a:r>
-            <a:r>
-              <a:rPr lang="en-US" dirty="0" smtClean="0"/>
-              <a:t> charge</a:t>
-            </a:r>
-          </a:p>
-          <a:p>
-            <a:endParaRPr lang="en-US" dirty="0"/>
-          </a:p>
-        </p:txBody>
-      </p:sp>
-      <p:pic>
-        <p:nvPicPr>
-          <p:cNvPr id="4" name="Picture 3" descr="Screen Shot 2014-04-21 at 10.38.16 AM.png"/>
-          <p:cNvPicPr>
-            <a:picLocks noChangeAspect="1"/>
-          </p:cNvPicPr>
-          <p:nvPr/>
-        </p:nvPicPr>
-        <p:blipFill>
-          <a:blip r:embed="rId3">
-            <a:extLst>
-              <a:ext uri="{28A0092B-C50C-407E-A947-70E740481C1C}">
-                <a14:useLocalDpi xmlns:a14="http://schemas.microsoft.com/office/drawing/2010/main" val="0"/>
-              </a:ext>
-            </a:extLst>
-          </a:blip>
-          <a:stretch>
-            <a:fillRect/>
-          </a:stretch>
-        </p:blipFill>
-        <p:spPr>
-          <a:xfrm>
-            <a:off x="508001" y="3678086"/>
-            <a:ext cx="4673133" cy="1996140"/>
-          </a:xfrm>
-          <a:prstGeom prst="rect">
-            <a:avLst/>
-          </a:prstGeom>
-        </p:spPr>
-      </p:pic>
-    </p:spTree>
-    <p:extLst>
-      <p:ext uri="{BB962C8B-B14F-4D97-AF65-F5344CB8AC3E}">
-        <p14:creationId xmlns:p14="http://schemas.microsoft.com/office/powerpoint/2010/main" val="1871755260"/>
-      </p:ext>
-    </p:extLst>
-  </p:cSld>
-  <p:clrMapOvr>
-    <a:masterClrMapping/>
-  </p:clrMapOvr>
-  <p:timing>
-    <p:tnLst>
-      <p:par>
-        <p:cTn xmlns:p14="http://schemas.microsoft.com/office/powerpoint/2010/main" id="1" dur="indefinite" restart="never" nodeType="tmRoot"/>
-      </p:par>
-    </p:tnLst>
-  </p:timing>
-</p:sld>
-</file>
-
 <file path=ppt/slides/slide3.xml><?xml version="1.0" encoding="utf-8"?>
 <p:sld xmlns:a="http://schemas.openxmlformats.org/drawingml/2006/main" xmlns:r="http://schemas.openxmlformats.org/officeDocument/2006/relationships" xmlns:p="http://schemas.openxmlformats.org/presentationml/2006/main">
   <p:cSld>
@@ -17815,7 +17516,7 @@
   <a:extraClrSchemeLst/>
   <a:extLst>
     <a:ext uri="{05A4C25C-085E-4340-85A3-A5531E510DB2}">
-      <thm15:themeFamily xmlns:thm15="http://schemas.microsoft.com/office/thememl/2012/main" xmlns="" name="Facet" id="{C0C680CD-088A-49FC-A102-D699147F32B2}" vid="{CFBC31BA-B70F-4F30-BCAA-4F3011E16C4D}"/>
+      <thm15:themeFamily xmlns="" xmlns:thm15="http://schemas.microsoft.com/office/thememl/2012/main" name="Facet" id="{C0C680CD-088A-49FC-A102-D699147F32B2}" vid="{CFBC31BA-B70F-4F30-BCAA-4F3011E16C4D}"/>
     </a:ext>
   </a:extLst>
 </a:theme>

--- a/Remise/Remise 4/RAF.pptx
+++ b/Remise/Remise 4/RAF.pptx
@@ -5,7 +5,7 @@
     <p:sldMasterId id="2147483660" r:id="rId1"/>
   </p:sldMasterIdLst>
   <p:notesMasterIdLst>
-    <p:notesMasterId r:id="rId27"/>
+    <p:notesMasterId r:id="rId28"/>
   </p:notesMasterIdLst>
   <p:sldIdLst>
     <p:sldId id="257" r:id="rId2"/>
@@ -25,14 +25,15 @@
     <p:sldId id="303" r:id="rId16"/>
     <p:sldId id="300" r:id="rId17"/>
     <p:sldId id="301" r:id="rId18"/>
-    <p:sldId id="299" r:id="rId19"/>
-    <p:sldId id="302" r:id="rId20"/>
-    <p:sldId id="297" r:id="rId21"/>
-    <p:sldId id="283" r:id="rId22"/>
-    <p:sldId id="298" r:id="rId23"/>
-    <p:sldId id="285" r:id="rId24"/>
-    <p:sldId id="287" r:id="rId25"/>
-    <p:sldId id="304" r:id="rId26"/>
+    <p:sldId id="304" r:id="rId19"/>
+    <p:sldId id="299" r:id="rId20"/>
+    <p:sldId id="302" r:id="rId21"/>
+    <p:sldId id="297" r:id="rId22"/>
+    <p:sldId id="283" r:id="rId23"/>
+    <p:sldId id="298" r:id="rId24"/>
+    <p:sldId id="285" r:id="rId25"/>
+    <p:sldId id="287" r:id="rId26"/>
+    <p:sldId id="306" r:id="rId27"/>
   </p:sldIdLst>
   <p:sldSz cx="9144000" cy="6858000" type="screen4x3"/>
   <p:notesSz cx="7315200" cy="9601200"/>
@@ -133,7 +134,7 @@
   </p:defaultTextStyle>
   <p:extLst>
     <p:ext uri="{EFAFB233-063F-42B5-8137-9DF3F51BA10A}">
-      <p15:sldGuideLst xmlns:p15="http://schemas.microsoft.com/office/powerpoint/2012/main" xmlns="">
+      <p15:sldGuideLst xmlns="" xmlns:p15="http://schemas.microsoft.com/office/powerpoint/2012/main">
         <p15:guide id="1" orient="horz" pos="2160">
           <p15:clr>
             <a:srgbClr val="A4A3A4"/>
@@ -649,7 +650,7 @@
           <a:p>
             <a:fld id="{B4F8E8CB-F099-334A-97A8-B886ED765ADC}" type="slidenum">
               <a:rPr lang="en-US" smtClean="0"/>
-              <a:t>21</a:t>
+              <a:t>22</a:t>
             </a:fld>
             <a:endParaRPr lang="en-US"/>
           </a:p>
@@ -733,7 +734,7 @@
           <a:p>
             <a:fld id="{B4F8E8CB-F099-334A-97A8-B886ED765ADC}" type="slidenum">
               <a:rPr lang="en-US" smtClean="0"/>
-              <a:t>22</a:t>
+              <a:t>23</a:t>
             </a:fld>
             <a:endParaRPr lang="en-US"/>
           </a:p>
@@ -8915,7 +8916,7 @@
       </p:grpSpPr>
       <p:sp>
         <p:nvSpPr>
-          <p:cNvPr id="2" name="Title 1"/>
+          <p:cNvPr id="2" name="Titre 1"/>
           <p:cNvSpPr>
             <a:spLocks noGrp="1"/>
           </p:cNvSpPr>
@@ -8929,26 +8930,30 @@
           <a:lstStyle/>
           <a:p>
             <a:r>
+              <a:rPr lang="en-US" dirty="0"/>
+              <a:t>Validation </a:t>
+            </a:r>
+            <a:r>
+              <a:rPr lang="en-US" dirty="0" err="1"/>
+              <a:t>croisée</a:t>
+            </a:r>
+            <a:r>
+              <a:rPr lang="en-US" dirty="0"/>
+              <a:t> </a:t>
+            </a:r>
+            <a:r>
               <a:rPr lang="en-US" dirty="0" smtClean="0"/>
-              <a:t>Validation </a:t>
-            </a:r>
-            <a:r>
-              <a:rPr lang="en-US" dirty="0" err="1" smtClean="0"/>
-              <a:t>croisée</a:t>
-            </a:r>
-            <a:r>
-              <a:rPr lang="en-US" dirty="0" smtClean="0"/>
-              <a:t> (Courant Charge)</a:t>
-            </a:r>
-            <a:endParaRPr lang="en-US" dirty="0"/>
+              <a:t>(Tension bus CC)</a:t>
+            </a:r>
+            <a:endParaRPr lang="fr-CA" dirty="0"/>
           </a:p>
         </p:txBody>
       </p:sp>
       <p:pic>
         <p:nvPicPr>
-          <p:cNvPr id="3" name="Picture 2" descr="cour_ch.JPG"/>
+          <p:cNvPr id="1026" name="Picture 2" descr="D:\LiberT\Documents\GitHub\DesignIV\Remise\Documentation_technique\Validation_croisee\fig\DCP_AFE\5u\ten_bus.JPG"/>
           <p:cNvPicPr>
-            <a:picLocks noChangeAspect="1"/>
+            <a:picLocks noChangeAspect="1" noChangeArrowheads="1"/>
           </p:cNvPicPr>
           <p:nvPr/>
         </p:nvPicPr>
@@ -8960,24 +8965,35 @@
               </a:ext>
             </a:extLst>
           </a:blip>
+          <a:srcRect/>
           <a:stretch>
             <a:fillRect/>
           </a:stretch>
         </p:blipFill>
-        <p:spPr>
+        <p:spPr bwMode="auto">
           <a:xfrm>
-            <a:off x="173790" y="1923904"/>
-            <a:ext cx="9144000" cy="4773680"/>
+            <a:off x="214134" y="2180492"/>
+            <a:ext cx="9470924" cy="4206997"/>
           </a:xfrm>
           <a:prstGeom prst="rect">
             <a:avLst/>
           </a:prstGeom>
+          <a:noFill/>
+          <a:extLst>
+            <a:ext uri="{909E8E84-426E-40dd-AFC4-6F175D3DCCD1}">
+              <a14:hiddenFill xmlns:a14="http://schemas.microsoft.com/office/drawing/2010/main">
+                <a:solidFill>
+                  <a:srgbClr val="FFFFFF"/>
+                </a:solidFill>
+              </a14:hiddenFill>
+            </a:ext>
+          </a:extLst>
         </p:spPr>
       </p:pic>
     </p:spTree>
     <p:extLst>
       <p:ext uri="{BB962C8B-B14F-4D97-AF65-F5344CB8AC3E}">
-        <p14:creationId xmlns:p14="http://schemas.microsoft.com/office/powerpoint/2010/main" val="292835286"/>
+        <p14:creationId xmlns:p14="http://schemas.microsoft.com/office/powerpoint/2010/main" val="684641484"/>
       </p:ext>
     </p:extLst>
   </p:cSld>
@@ -9029,7 +9045,7 @@
             </a:r>
             <a:r>
               <a:rPr lang="en-US" dirty="0" smtClean="0"/>
-              <a:t> (Courant IGBT DCP-DCN)</a:t>
+              <a:t> (Courant Charge)</a:t>
             </a:r>
             <a:endParaRPr lang="en-US" dirty="0"/>
           </a:p>
@@ -9037,7 +9053,7 @@
       </p:sp>
       <p:pic>
         <p:nvPicPr>
-          <p:cNvPr id="4" name="Picture 3" descr="hash_cou_IGBT-1.JPG"/>
+          <p:cNvPr id="3" name="Picture 2" descr="cour_ch.JPG"/>
           <p:cNvPicPr>
             <a:picLocks noChangeAspect="1"/>
           </p:cNvPicPr>
@@ -9057,8 +9073,8 @@
         </p:blipFill>
         <p:spPr>
           <a:xfrm>
-            <a:off x="120318" y="2157592"/>
-            <a:ext cx="8930106" cy="3878994"/>
+            <a:off x="173790" y="1923904"/>
+            <a:ext cx="9144000" cy="4773680"/>
           </a:xfrm>
           <a:prstGeom prst="rect">
             <a:avLst/>
@@ -9068,7 +9084,7 @@
     </p:spTree>
     <p:extLst>
       <p:ext uri="{BB962C8B-B14F-4D97-AF65-F5344CB8AC3E}">
-        <p14:creationId xmlns:p14="http://schemas.microsoft.com/office/powerpoint/2010/main" val="787714623"/>
+        <p14:creationId xmlns:p14="http://schemas.microsoft.com/office/powerpoint/2010/main" val="292835286"/>
       </p:ext>
     </p:extLst>
   </p:cSld>
@@ -9392,6 +9408,97 @@
             <p:ph type="title"/>
           </p:nvPr>
         </p:nvSpPr>
+        <p:spPr/>
+        <p:txBody>
+          <a:bodyPr/>
+          <a:lstStyle/>
+          <a:p>
+            <a:r>
+              <a:rPr lang="en-US" dirty="0" smtClean="0"/>
+              <a:t>Validation </a:t>
+            </a:r>
+            <a:r>
+              <a:rPr lang="en-US" dirty="0" err="1" smtClean="0"/>
+              <a:t>croisée</a:t>
+            </a:r>
+            <a:r>
+              <a:rPr lang="en-US" dirty="0" smtClean="0"/>
+              <a:t> (Courant IGBT DCP-DCN)</a:t>
+            </a:r>
+            <a:endParaRPr lang="en-US" dirty="0"/>
+          </a:p>
+        </p:txBody>
+      </p:sp>
+      <p:pic>
+        <p:nvPicPr>
+          <p:cNvPr id="4" name="Picture 3" descr="hash_cou_IGBT-1.JPG"/>
+          <p:cNvPicPr>
+            <a:picLocks noChangeAspect="1"/>
+          </p:cNvPicPr>
+          <p:nvPr/>
+        </p:nvPicPr>
+        <p:blipFill>
+          <a:blip r:embed="rId2">
+            <a:extLst>
+              <a:ext uri="{28A0092B-C50C-407E-A947-70E740481C1C}">
+                <a14:useLocalDpi xmlns:a14="http://schemas.microsoft.com/office/drawing/2010/main" val="0"/>
+              </a:ext>
+            </a:extLst>
+          </a:blip>
+          <a:stretch>
+            <a:fillRect/>
+          </a:stretch>
+        </p:blipFill>
+        <p:spPr>
+          <a:xfrm>
+            <a:off x="120318" y="2157592"/>
+            <a:ext cx="8930106" cy="3878994"/>
+          </a:xfrm>
+          <a:prstGeom prst="rect">
+            <a:avLst/>
+          </a:prstGeom>
+        </p:spPr>
+      </p:pic>
+    </p:spTree>
+    <p:extLst>
+      <p:ext uri="{BB962C8B-B14F-4D97-AF65-F5344CB8AC3E}">
+        <p14:creationId xmlns:p14="http://schemas.microsoft.com/office/powerpoint/2010/main" val="787714623"/>
+      </p:ext>
+    </p:extLst>
+  </p:cSld>
+  <p:clrMapOvr>
+    <a:masterClrMapping/>
+  </p:clrMapOvr>
+</p:sld>
+</file>
+
+<file path=ppt/slides/slide21.xml><?xml version="1.0" encoding="utf-8"?>
+<p:sld xmlns:a="http://schemas.openxmlformats.org/drawingml/2006/main" xmlns:r="http://schemas.openxmlformats.org/officeDocument/2006/relationships" xmlns:p="http://schemas.openxmlformats.org/presentationml/2006/main">
+  <p:cSld>
+    <p:spTree>
+      <p:nvGrpSpPr>
+        <p:cNvPr id="1" name=""/>
+        <p:cNvGrpSpPr/>
+        <p:nvPr/>
+      </p:nvGrpSpPr>
+      <p:grpSpPr>
+        <a:xfrm>
+          <a:off x="0" y="0"/>
+          <a:ext cx="0" cy="0"/>
+          <a:chOff x="0" y="0"/>
+          <a:chExt cx="0" cy="0"/>
+        </a:xfrm>
+      </p:grpSpPr>
+      <p:sp>
+        <p:nvSpPr>
+          <p:cNvPr id="2" name="Title 1"/>
+          <p:cNvSpPr>
+            <a:spLocks noGrp="1"/>
+          </p:cNvSpPr>
+          <p:nvPr>
+            <p:ph type="title"/>
+          </p:nvPr>
+        </p:nvSpPr>
         <p:spPr>
           <a:xfrm>
             <a:off x="1346201" y="598905"/>
@@ -9458,7 +9565,7 @@
 </p:sld>
 </file>
 
-<file path=ppt/slides/slide21.xml><?xml version="1.0" encoding="utf-8"?>
+<file path=ppt/slides/slide22.xml><?xml version="1.0" encoding="utf-8"?>
 <p:sld xmlns:a="http://schemas.openxmlformats.org/drawingml/2006/main" xmlns:r="http://schemas.openxmlformats.org/officeDocument/2006/relationships" xmlns:p="http://schemas.openxmlformats.org/presentationml/2006/main">
   <p:cSld>
     <p:spTree>
@@ -13211,7 +13318,7 @@
 </p:sld>
 </file>
 
-<file path=ppt/slides/slide22.xml><?xml version="1.0" encoding="utf-8"?>
+<file path=ppt/slides/slide23.xml><?xml version="1.0" encoding="utf-8"?>
 <p:sld xmlns:a="http://schemas.openxmlformats.org/drawingml/2006/main" xmlns:r="http://schemas.openxmlformats.org/officeDocument/2006/relationships" xmlns:p="http://schemas.openxmlformats.org/presentationml/2006/main">
   <p:cSld>
     <p:spTree>
@@ -15359,7 +15466,7 @@
 </p:sld>
 </file>
 
-<file path=ppt/slides/slide23.xml><?xml version="1.0" encoding="utf-8"?>
+<file path=ppt/slides/slide24.xml><?xml version="1.0" encoding="utf-8"?>
 <p:sld xmlns:a="http://schemas.openxmlformats.org/drawingml/2006/main" xmlns:r="http://schemas.openxmlformats.org/officeDocument/2006/relationships" xmlns:p="http://schemas.openxmlformats.org/presentationml/2006/main">
   <p:cSld>
     <p:spTree>
@@ -15458,7 +15565,7 @@
 </p:sld>
 </file>
 
-<file path=ppt/slides/slide24.xml><?xml version="1.0" encoding="utf-8"?>
+<file path=ppt/slides/slide25.xml><?xml version="1.0" encoding="utf-8"?>
 <p:sld xmlns:a="http://schemas.openxmlformats.org/drawingml/2006/main" xmlns:r="http://schemas.openxmlformats.org/officeDocument/2006/relationships" xmlns:p="http://schemas.openxmlformats.org/presentationml/2006/main">
   <p:cSld>
     <p:spTree>
@@ -15556,7 +15663,7 @@
 </p:sld>
 </file>
 
-<file path=ppt/slides/slide25.xml><?xml version="1.0" encoding="utf-8"?>
+<file path=ppt/slides/slide26.xml><?xml version="1.0" encoding="utf-8"?>
 <p:sld xmlns:a="http://schemas.openxmlformats.org/drawingml/2006/main" xmlns:r="http://schemas.openxmlformats.org/officeDocument/2006/relationships" xmlns:p="http://schemas.openxmlformats.org/presentationml/2006/main">
   <p:cSld>
     <p:spTree>
@@ -15664,11 +15771,7 @@
             </a:r>
             <a:r>
               <a:rPr lang="en-US" dirty="0" err="1" smtClean="0"/>
-              <a:t>contr</a:t>
-            </a:r>
-            <a:r>
-              <a:rPr lang="en-US" dirty="0" err="1" smtClean="0"/>
-              <a:t>ôle</a:t>
+              <a:t>contrôle</a:t>
             </a:r>
             <a:r>
               <a:rPr lang="en-US" dirty="0" smtClean="0"/>
@@ -15837,7 +15940,7 @@
     </p:spTree>
     <p:extLst>
       <p:ext uri="{BB962C8B-B14F-4D97-AF65-F5344CB8AC3E}">
-        <p14:creationId xmlns:p14="http://schemas.microsoft.com/office/powerpoint/2010/main" val="1871755260"/>
+        <p14:creationId xmlns:p14="http://schemas.microsoft.com/office/powerpoint/2010/main" val="2752080619"/>
       </p:ext>
     </p:extLst>
   </p:cSld>
@@ -17815,7 +17918,7 @@
   <a:extraClrSchemeLst/>
   <a:extLst>
     <a:ext uri="{05A4C25C-085E-4340-85A3-A5531E510DB2}">
-      <thm15:themeFamily xmlns:thm15="http://schemas.microsoft.com/office/thememl/2012/main" xmlns="" name="Facet" id="{C0C680CD-088A-49FC-A102-D699147F32B2}" vid="{CFBC31BA-B70F-4F30-BCAA-4F3011E16C4D}"/>
+      <thm15:themeFamily xmlns="" xmlns:thm15="http://schemas.microsoft.com/office/thememl/2012/main" name="Facet" id="{C0C680CD-088A-49FC-A102-D699147F32B2}" vid="{CFBC31BA-B70F-4F30-BCAA-4F3011E16C4D}"/>
     </a:ext>
   </a:extLst>
 </a:theme>

--- a/Remise/Remise 4/RAF.pptx
+++ b/Remise/Remise 4/RAF.pptx
@@ -233,7 +233,7 @@
           <a:p>
             <a:fld id="{33F7F89F-35B5-A34B-B7C8-DC49B77156D3}" type="datetimeFigureOut">
               <a:rPr lang="en-US" smtClean="0"/>
-              <a:t>2014-04-21</a:t>
+              <a:t>4/23/2014</a:t>
             </a:fld>
             <a:endParaRPr lang="en-US"/>
           </a:p>
@@ -392,7 +392,7 @@
           <a:p>
             <a:fld id="{B4F8E8CB-F099-334A-97A8-B886ED765ADC}" type="slidenum">
               <a:rPr lang="en-US" smtClean="0"/>
-              <a:t>‹#›</a:t>
+              <a:t>‹N°›</a:t>
             </a:fld>
             <a:endParaRPr lang="en-US"/>
           </a:p>
@@ -1483,7 +1483,7 @@
                 <a:latin typeface="Trebuchet MS"/>
               </a:rPr>
               <a:pPr/>
-              <a:t>2014-04-21</a:t>
+              <a:t>4/23/2014</a:t>
             </a:fld>
             <a:endParaRPr lang="en-US">
               <a:solidFill>
@@ -1545,7 +1545,7 @@
                 <a:latin typeface="Trebuchet MS"/>
               </a:rPr>
               <a:pPr/>
-              <a:t>‹#›</a:t>
+              <a:t>‹N°›</a:t>
             </a:fld>
             <a:endParaRPr lang="en-US">
               <a:solidFill>
@@ -1779,7 +1779,7 @@
                 <a:latin typeface="Trebuchet MS"/>
               </a:rPr>
               <a:pPr/>
-              <a:t>2014-04-21</a:t>
+              <a:t>4/23/2014</a:t>
             </a:fld>
             <a:endParaRPr lang="en-US">
               <a:solidFill>
@@ -1841,7 +1841,7 @@
                 <a:latin typeface="Trebuchet MS"/>
               </a:rPr>
               <a:pPr/>
-              <a:t>‹#›</a:t>
+              <a:t>‹N°›</a:t>
             </a:fld>
             <a:endParaRPr lang="en-US">
               <a:solidFill>
@@ -2063,7 +2063,7 @@
                 <a:latin typeface="Trebuchet MS"/>
               </a:rPr>
               <a:pPr/>
-              <a:t>2014-04-21</a:t>
+              <a:t>4/23/2014</a:t>
             </a:fld>
             <a:endParaRPr lang="en-US">
               <a:solidFill>
@@ -2125,7 +2125,7 @@
                 <a:latin typeface="Trebuchet MS"/>
               </a:rPr>
               <a:pPr/>
-              <a:t>‹#›</a:t>
+              <a:t>‹N°›</a:t>
             </a:fld>
             <a:endParaRPr lang="en-US">
               <a:solidFill>
@@ -2410,7 +2410,7 @@
                 <a:latin typeface="Trebuchet MS"/>
               </a:rPr>
               <a:pPr/>
-              <a:t>2014-04-21</a:t>
+              <a:t>4/23/2014</a:t>
             </a:fld>
             <a:endParaRPr lang="en-US">
               <a:solidFill>
@@ -2472,7 +2472,7 @@
                 <a:latin typeface="Trebuchet MS"/>
               </a:rPr>
               <a:pPr/>
-              <a:t>‹#›</a:t>
+              <a:t>‹N°›</a:t>
             </a:fld>
             <a:endParaRPr lang="en-US">
               <a:solidFill>
@@ -2783,7 +2783,7 @@
                 <a:latin typeface="Trebuchet MS"/>
               </a:rPr>
               <a:pPr/>
-              <a:t>2014-04-21</a:t>
+              <a:t>4/23/2014</a:t>
             </a:fld>
             <a:endParaRPr lang="en-US">
               <a:solidFill>
@@ -2845,7 +2845,7 @@
                 <a:latin typeface="Trebuchet MS"/>
               </a:rPr>
               <a:pPr/>
-              <a:t>‹#›</a:t>
+              <a:t>‹N°›</a:t>
             </a:fld>
             <a:endParaRPr lang="en-US">
               <a:solidFill>
@@ -3130,7 +3130,7 @@
                 <a:latin typeface="Trebuchet MS"/>
               </a:rPr>
               <a:pPr/>
-              <a:t>2014-04-21</a:t>
+              <a:t>4/23/2014</a:t>
             </a:fld>
             <a:endParaRPr lang="en-US">
               <a:solidFill>
@@ -3192,7 +3192,7 @@
                 <a:latin typeface="Trebuchet MS"/>
               </a:rPr>
               <a:pPr/>
-              <a:t>‹#›</a:t>
+              <a:t>‹N°›</a:t>
             </a:fld>
             <a:endParaRPr lang="en-US">
               <a:solidFill>
@@ -3554,7 +3554,7 @@
                 <a:latin typeface="Trebuchet MS"/>
               </a:rPr>
               <a:pPr/>
-              <a:t>2014-04-21</a:t>
+              <a:t>4/23/2014</a:t>
             </a:fld>
             <a:endParaRPr lang="en-US">
               <a:solidFill>
@@ -3616,7 +3616,7 @@
                 <a:latin typeface="Trebuchet MS"/>
               </a:rPr>
               <a:pPr/>
-              <a:t>‹#›</a:t>
+              <a:t>‹N°›</a:t>
             </a:fld>
             <a:endParaRPr lang="en-US">
               <a:solidFill>
@@ -3757,7 +3757,7 @@
                 <a:latin typeface="Trebuchet MS"/>
               </a:rPr>
               <a:pPr/>
-              <a:t>2014-04-21</a:t>
+              <a:t>4/23/2014</a:t>
             </a:fld>
             <a:endParaRPr lang="en-US">
               <a:solidFill>
@@ -3819,7 +3819,7 @@
                 <a:latin typeface="Trebuchet MS"/>
               </a:rPr>
               <a:pPr/>
-              <a:t>‹#›</a:t>
+              <a:t>‹N°›</a:t>
             </a:fld>
             <a:endParaRPr lang="en-US">
               <a:solidFill>
@@ -3970,7 +3970,7 @@
                 <a:latin typeface="Trebuchet MS"/>
               </a:rPr>
               <a:pPr/>
-              <a:t>2014-04-21</a:t>
+              <a:t>4/23/2014</a:t>
             </a:fld>
             <a:endParaRPr lang="en-US">
               <a:solidFill>
@@ -4032,7 +4032,7 @@
                 <a:latin typeface="Trebuchet MS"/>
               </a:rPr>
               <a:pPr/>
-              <a:t>‹#›</a:t>
+              <a:t>‹N°›</a:t>
             </a:fld>
             <a:endParaRPr lang="en-US">
               <a:solidFill>
@@ -4260,7 +4260,7 @@
                 <a:latin typeface="Trebuchet MS"/>
               </a:rPr>
               <a:pPr/>
-              <a:t>2014-04-21</a:t>
+              <a:t>4/23/2014</a:t>
             </a:fld>
             <a:endParaRPr lang="en-US" dirty="0">
               <a:solidFill>
@@ -4322,7 +4322,7 @@
                 <a:latin typeface="Trebuchet MS"/>
               </a:rPr>
               <a:pPr/>
-              <a:t>‹#›</a:t>
+              <a:t>‹N°›</a:t>
             </a:fld>
             <a:endParaRPr lang="en-US" dirty="0">
               <a:solidFill>
@@ -4469,7 +4469,7 @@
                 <a:latin typeface="Trebuchet MS"/>
               </a:rPr>
               <a:pPr/>
-              <a:t>2014-04-21</a:t>
+              <a:t>4/23/2014</a:t>
             </a:fld>
             <a:endParaRPr lang="en-US">
               <a:solidFill>
@@ -4531,7 +4531,7 @@
                 <a:latin typeface="Trebuchet MS"/>
               </a:rPr>
               <a:pPr/>
-              <a:t>‹#›</a:t>
+              <a:t>‹N°›</a:t>
             </a:fld>
             <a:endParaRPr lang="en-US">
               <a:solidFill>
@@ -4749,7 +4749,7 @@
                 <a:latin typeface="Trebuchet MS"/>
               </a:rPr>
               <a:pPr/>
-              <a:t>2014-04-21</a:t>
+              <a:t>4/23/2014</a:t>
             </a:fld>
             <a:endParaRPr lang="en-US">
               <a:solidFill>
@@ -4811,7 +4811,7 @@
                 <a:latin typeface="Trebuchet MS"/>
               </a:rPr>
               <a:pPr/>
-              <a:t>‹#›</a:t>
+              <a:t>‹N°›</a:t>
             </a:fld>
             <a:endParaRPr lang="en-US">
               <a:solidFill>
@@ -5014,7 +5014,7 @@
                 <a:latin typeface="Trebuchet MS"/>
               </a:rPr>
               <a:pPr/>
-              <a:t>2014-04-21</a:t>
+              <a:t>4/23/2014</a:t>
             </a:fld>
             <a:endParaRPr lang="en-US">
               <a:solidFill>
@@ -5076,7 +5076,7 @@
                 <a:latin typeface="Trebuchet MS"/>
               </a:rPr>
               <a:pPr/>
-              <a:t>‹#›</a:t>
+              <a:t>‹N°›</a:t>
             </a:fld>
             <a:endParaRPr lang="en-US">
               <a:solidFill>
@@ -5421,7 +5421,7 @@
                 <a:latin typeface="Trebuchet MS"/>
               </a:rPr>
               <a:pPr/>
-              <a:t>2014-04-21</a:t>
+              <a:t>4/23/2014</a:t>
             </a:fld>
             <a:endParaRPr lang="en-US">
               <a:solidFill>
@@ -5483,7 +5483,7 @@
                 <a:latin typeface="Trebuchet MS"/>
               </a:rPr>
               <a:pPr/>
-              <a:t>‹#›</a:t>
+              <a:t>‹N°›</a:t>
             </a:fld>
             <a:endParaRPr lang="en-US">
               <a:solidFill>
@@ -5577,7 +5577,7 @@
                 <a:latin typeface="Trebuchet MS"/>
               </a:rPr>
               <a:pPr/>
-              <a:t>2014-04-21</a:t>
+              <a:t>4/23/2014</a:t>
             </a:fld>
             <a:endParaRPr lang="en-US">
               <a:solidFill>
@@ -5639,7 +5639,7 @@
                 <a:latin typeface="Trebuchet MS"/>
               </a:rPr>
               <a:pPr/>
-              <a:t>‹#›</a:t>
+              <a:t>‹N°›</a:t>
             </a:fld>
             <a:endParaRPr lang="en-US">
               <a:solidFill>
@@ -5705,7 +5705,7 @@
                 <a:latin typeface="Trebuchet MS"/>
               </a:rPr>
               <a:pPr/>
-              <a:t>2014-04-21</a:t>
+              <a:t>4/23/2014</a:t>
             </a:fld>
             <a:endParaRPr lang="en-US">
               <a:solidFill>
@@ -5767,7 +5767,7 @@
                 <a:latin typeface="Trebuchet MS"/>
               </a:rPr>
               <a:pPr/>
-              <a:t>‹#›</a:t>
+              <a:t>‹N°›</a:t>
             </a:fld>
             <a:endParaRPr lang="en-US">
               <a:solidFill>
@@ -5838,7 +5838,7 @@
                 <a:latin typeface="Trebuchet MS"/>
               </a:rPr>
               <a:pPr/>
-              <a:t>2014-04-21</a:t>
+              <a:t>4/23/2014</a:t>
             </a:fld>
             <a:endParaRPr lang="en-US" dirty="0">
               <a:solidFill>
@@ -5910,7 +5910,7 @@
                 <a:latin typeface="Trebuchet MS"/>
               </a:rPr>
               <a:pPr/>
-              <a:t>‹#›</a:t>
+              <a:t>‹N°›</a:t>
             </a:fld>
             <a:endParaRPr lang="en-US">
               <a:solidFill>
@@ -6666,7 +6666,7 @@
                 <a:latin typeface="Trebuchet MS"/>
               </a:rPr>
               <a:pPr/>
-              <a:t>2014-04-21</a:t>
+              <a:t>4/23/2014</a:t>
             </a:fld>
             <a:endParaRPr lang="en-US">
               <a:solidFill>
@@ -6728,7 +6728,7 @@
                 <a:latin typeface="Trebuchet MS"/>
               </a:rPr>
               <a:pPr/>
-              <a:t>‹#›</a:t>
+              <a:t>‹N°›</a:t>
             </a:fld>
             <a:endParaRPr lang="en-US">
               <a:solidFill>
@@ -7462,7 +7462,7 @@
                 <a:latin typeface="Trebuchet MS"/>
               </a:rPr>
               <a:pPr defTabSz="914400"/>
-              <a:t>2014-04-21</a:t>
+              <a:t>4/23/2014</a:t>
             </a:fld>
             <a:endParaRPr lang="en-US">
               <a:solidFill>
@@ -7560,7 +7560,7 @@
                 <a:latin typeface="Trebuchet MS"/>
               </a:rPr>
               <a:pPr defTabSz="914400"/>
-              <a:t>‹#›</a:t>
+              <a:t>‹N°›</a:t>
             </a:fld>
             <a:endParaRPr lang="en-US">
               <a:solidFill>
@@ -8110,7 +8110,7 @@
   <p:timing>
     <p:tnLst>
       <p:par>
-        <p:cTn xmlns:p14="http://schemas.microsoft.com/office/powerpoint/2010/main" id="1" dur="indefinite" restart="never" nodeType="tmRoot"/>
+        <p:cTn id="1" dur="indefinite" restart="never" nodeType="tmRoot"/>
       </p:par>
     </p:tnLst>
   </p:timing>
@@ -8575,9 +8575,9 @@
       </p:sp>
       <p:pic>
         <p:nvPicPr>
-          <p:cNvPr id="6" name="Picture 5" descr="cour_al.JPG"/>
+          <p:cNvPr id="1026" name="Picture 2" descr="D:\LiberT\Documents\GitHub\DesignIV\Remise\Documentation_technique\Validation_croisee\fig\DCP_AFE\1u\cour_al.JPG"/>
           <p:cNvPicPr>
-            <a:picLocks noChangeAspect="1"/>
+            <a:picLocks noChangeAspect="1" noChangeArrowheads="1"/>
           </p:cNvPicPr>
           <p:nvPr/>
         </p:nvPicPr>
@@ -8589,18 +8589,29 @@
               </a:ext>
             </a:extLst>
           </a:blip>
+          <a:srcRect/>
           <a:stretch>
             <a:fillRect/>
           </a:stretch>
         </p:blipFill>
-        <p:spPr>
+        <p:spPr bwMode="auto">
           <a:xfrm>
-            <a:off x="254001" y="2068185"/>
-            <a:ext cx="9144000" cy="4098578"/>
+            <a:off x="432080" y="1828799"/>
+            <a:ext cx="8792308" cy="4778603"/>
           </a:xfrm>
           <a:prstGeom prst="rect">
             <a:avLst/>
           </a:prstGeom>
+          <a:noFill/>
+          <a:extLst>
+            <a:ext uri="{909E8E84-426E-40DD-AFC4-6F175D3DCCD1}">
+              <a14:hiddenFill xmlns:a14="http://schemas.microsoft.com/office/drawing/2010/main">
+                <a:solidFill>
+                  <a:srgbClr val="FFFFFF"/>
+                </a:solidFill>
+              </a14:hiddenFill>
+            </a:ext>
+          </a:extLst>
         </p:spPr>
       </p:pic>
     </p:spTree>
@@ -8674,9 +8685,9 @@
       </p:sp>
       <p:pic>
         <p:nvPicPr>
-          <p:cNvPr id="3" name="Picture 2" descr="ten_ligne_ligne.JPG"/>
+          <p:cNvPr id="2050" name="Picture 2" descr="D:\LiberT\Documents\GitHub\DesignIV\Remise\Documentation_technique\Validation_croisee\fig\DCP_AFE\1u\ten_ligne_ligne.JPG"/>
           <p:cNvPicPr>
-            <a:picLocks noChangeAspect="1"/>
+            <a:picLocks noChangeAspect="1" noChangeArrowheads="1"/>
           </p:cNvPicPr>
           <p:nvPr/>
         </p:nvPicPr>
@@ -8688,18 +8699,29 @@
               </a:ext>
             </a:extLst>
           </a:blip>
+          <a:srcRect/>
           <a:stretch>
             <a:fillRect/>
           </a:stretch>
         </p:blipFill>
-        <p:spPr>
+        <p:spPr bwMode="auto">
           <a:xfrm>
-            <a:off x="120315" y="2207270"/>
-            <a:ext cx="9144000" cy="4061051"/>
+            <a:off x="361739" y="1808704"/>
+            <a:ext cx="8440617" cy="4869856"/>
           </a:xfrm>
           <a:prstGeom prst="rect">
             <a:avLst/>
           </a:prstGeom>
+          <a:noFill/>
+          <a:extLst>
+            <a:ext uri="{909E8E84-426E-40DD-AFC4-6F175D3DCCD1}">
+              <a14:hiddenFill xmlns:a14="http://schemas.microsoft.com/office/drawing/2010/main">
+                <a:solidFill>
+                  <a:srgbClr val="FFFFFF"/>
+                </a:solidFill>
+              </a14:hiddenFill>
+            </a:ext>
+          </a:extLst>
         </p:spPr>
       </p:pic>
     </p:spTree>
@@ -8765,9 +8787,9 @@
       </p:sp>
       <p:pic>
         <p:nvPicPr>
-          <p:cNvPr id="4" name="Picture 3" descr="cou_IGBT_afe.JPG"/>
+          <p:cNvPr id="3074" name="Picture 2" descr="D:\LiberT\Documents\GitHub\DesignIV\Remise\Documentation_technique\Validation_croisee\fig\DCP_AFE\1u\cou_IGBT_afe.JPG"/>
           <p:cNvPicPr>
-            <a:picLocks noChangeAspect="1"/>
+            <a:picLocks noChangeAspect="1" noChangeArrowheads="1"/>
           </p:cNvPicPr>
           <p:nvPr/>
         </p:nvPicPr>
@@ -8779,18 +8801,29 @@
               </a:ext>
             </a:extLst>
           </a:blip>
+          <a:srcRect/>
           <a:stretch>
             <a:fillRect/>
           </a:stretch>
         </p:blipFill>
-        <p:spPr>
+        <p:spPr bwMode="auto">
           <a:xfrm>
-            <a:off x="80208" y="2243279"/>
-            <a:ext cx="9144000" cy="3882074"/>
+            <a:off x="508001" y="1688125"/>
+            <a:ext cx="8294356" cy="4893545"/>
           </a:xfrm>
           <a:prstGeom prst="rect">
             <a:avLst/>
           </a:prstGeom>
+          <a:noFill/>
+          <a:extLst>
+            <a:ext uri="{909E8E84-426E-40DD-AFC4-6F175D3DCCD1}">
+              <a14:hiddenFill xmlns:a14="http://schemas.microsoft.com/office/drawing/2010/main">
+                <a:solidFill>
+                  <a:srgbClr val="FFFFFF"/>
+                </a:solidFill>
+              </a14:hiddenFill>
+            </a:ext>
+          </a:extLst>
         </p:spPr>
       </p:pic>
     </p:spTree>
@@ -8856,9 +8889,9 @@
       </p:sp>
       <p:pic>
         <p:nvPicPr>
-          <p:cNvPr id="3" name="Picture 2" descr="IGBT_afe_tension.JPG"/>
+          <p:cNvPr id="4098" name="Picture 2" descr="D:\LiberT\Documents\GitHub\DesignIV\Remise\Documentation_technique\Validation_croisee\fig\DCP_AFE\1u\IGBT_afe.JPG"/>
           <p:cNvPicPr>
-            <a:picLocks noChangeAspect="1"/>
+            <a:picLocks noChangeAspect="1" noChangeArrowheads="1"/>
           </p:cNvPicPr>
           <p:nvPr/>
         </p:nvPicPr>
@@ -8870,18 +8903,29 @@
               </a:ext>
             </a:extLst>
           </a:blip>
+          <a:srcRect/>
           <a:stretch>
             <a:fillRect/>
           </a:stretch>
         </p:blipFill>
-        <p:spPr>
+        <p:spPr bwMode="auto">
           <a:xfrm>
-            <a:off x="0" y="2188317"/>
-            <a:ext cx="9144000" cy="3885050"/>
+            <a:off x="286937" y="1930400"/>
+            <a:ext cx="8696289" cy="4714876"/>
           </a:xfrm>
           <a:prstGeom prst="rect">
             <a:avLst/>
           </a:prstGeom>
+          <a:noFill/>
+          <a:extLst>
+            <a:ext uri="{909E8E84-426E-40DD-AFC4-6F175D3DCCD1}">
+              <a14:hiddenFill xmlns:a14="http://schemas.microsoft.com/office/drawing/2010/main">
+                <a:solidFill>
+                  <a:srgbClr val="FFFFFF"/>
+                </a:solidFill>
+              </a14:hiddenFill>
+            </a:ext>
+          </a:extLst>
         </p:spPr>
       </p:pic>
     </p:spTree>
@@ -8951,7 +8995,7 @@
       </p:sp>
       <p:pic>
         <p:nvPicPr>
-          <p:cNvPr id="1026" name="Picture 2" descr="D:\LiberT\Documents\GitHub\DesignIV\Remise\Documentation_technique\Validation_croisee\fig\DCP_AFE\5u\ten_bus.JPG"/>
+          <p:cNvPr id="5122" name="Picture 2" descr="D:\LiberT\Documents\GitHub\DesignIV\Remise\Documentation_technique\Validation_croisee\fig\DCP_AFE\1u\ten_bus.JPG"/>
           <p:cNvPicPr>
             <a:picLocks noChangeAspect="1" noChangeArrowheads="1"/>
           </p:cNvPicPr>
@@ -8972,15 +9016,15 @@
         </p:blipFill>
         <p:spPr bwMode="auto">
           <a:xfrm>
-            <a:off x="214134" y="2180492"/>
-            <a:ext cx="9470924" cy="4206997"/>
+            <a:off x="508001" y="1828800"/>
+            <a:ext cx="8354645" cy="4872823"/>
           </a:xfrm>
           <a:prstGeom prst="rect">
             <a:avLst/>
           </a:prstGeom>
           <a:noFill/>
           <a:extLst>
-            <a:ext uri="{909E8E84-426E-40dd-AFC4-6F175D3DCCD1}">
+            <a:ext uri="{909E8E84-426E-40DD-AFC4-6F175D3DCCD1}">
               <a14:hiddenFill xmlns:a14="http://schemas.microsoft.com/office/drawing/2010/main">
                 <a:solidFill>
                   <a:srgbClr val="FFFFFF"/>
@@ -9053,9 +9097,9 @@
       </p:sp>
       <p:pic>
         <p:nvPicPr>
-          <p:cNvPr id="3" name="Picture 2" descr="cour_ch.JPG"/>
+          <p:cNvPr id="1026" name="Picture 2" descr="D:\LiberT\Documents\GitHub\DesignIV\Remise\Documentation_technique\Validation_croisee\fig\DCP_AFE\1u\cour_ch.JPG"/>
           <p:cNvPicPr>
-            <a:picLocks noChangeAspect="1"/>
+            <a:picLocks noChangeAspect="1" noChangeArrowheads="1"/>
           </p:cNvPicPr>
           <p:nvPr/>
         </p:nvPicPr>
@@ -9067,18 +9111,29 @@
               </a:ext>
             </a:extLst>
           </a:blip>
+          <a:srcRect/>
           <a:stretch>
             <a:fillRect/>
           </a:stretch>
         </p:blipFill>
-        <p:spPr>
+        <p:spPr bwMode="auto">
           <a:xfrm>
-            <a:off x="173790" y="1923904"/>
-            <a:ext cx="9144000" cy="4773680"/>
+            <a:off x="251209" y="1930401"/>
+            <a:ext cx="8601389" cy="4741704"/>
           </a:xfrm>
           <a:prstGeom prst="rect">
             <a:avLst/>
           </a:prstGeom>
+          <a:noFill/>
+          <a:extLst>
+            <a:ext uri="{909E8E84-426E-40DD-AFC4-6F175D3DCCD1}">
+              <a14:hiddenFill xmlns:a14="http://schemas.microsoft.com/office/drawing/2010/main">
+                <a:solidFill>
+                  <a:srgbClr val="FFFFFF"/>
+                </a:solidFill>
+              </a14:hiddenFill>
+            </a:ext>
+          </a:extLst>
         </p:spPr>
       </p:pic>
     </p:spTree>
@@ -9287,14 +9342,14 @@
             <a:noFill/>
           </a:ln>
           <a:extLst>
-            <a:ext uri="{909E8E84-426E-40dd-AFC4-6F175D3DCCD1}">
+            <a:ext uri="{909E8E84-426E-40DD-AFC4-6F175D3DCCD1}">
               <a14:hiddenFill xmlns:a14="http://schemas.microsoft.com/office/drawing/2010/main">
                 <a:solidFill>
                   <a:srgbClr val="FFFFFF"/>
                 </a:solidFill>
               </a14:hiddenFill>
             </a:ext>
-            <a:ext uri="{91240B29-F687-4f45-9708-019B960494DF}">
+            <a:ext uri="{91240B29-F687-4F45-9708-019B960494DF}">
               <a14:hiddenLine xmlns:a14="http://schemas.microsoft.com/office/drawing/2010/main" w="9525">
                 <a:solidFill>
                   <a:srgbClr val="000000"/>
@@ -9374,7 +9429,7 @@
   <p:timing>
     <p:tnLst>
       <p:par>
-        <p:cTn xmlns:p14="http://schemas.microsoft.com/office/powerpoint/2010/main" id="1" dur="indefinite" restart="never" nodeType="tmRoot"/>
+        <p:cTn id="1" dur="indefinite" restart="never" nodeType="tmRoot"/>
       </p:par>
     </p:tnLst>
   </p:timing>
@@ -9431,9 +9486,9 @@
       </p:sp>
       <p:pic>
         <p:nvPicPr>
-          <p:cNvPr id="4" name="Picture 3" descr="hash_cou_IGBT-1.JPG"/>
+          <p:cNvPr id="2050" name="Picture 2" descr="D:\LiberT\Documents\GitHub\DesignIV\Remise\Documentation_technique\Validation_croisee\fig\DCP_AFE\1u\hash_cou_IGBT.JPG"/>
           <p:cNvPicPr>
-            <a:picLocks noChangeAspect="1"/>
+            <a:picLocks noChangeAspect="1" noChangeArrowheads="1"/>
           </p:cNvPicPr>
           <p:nvPr/>
         </p:nvPicPr>
@@ -9445,18 +9500,29 @@
               </a:ext>
             </a:extLst>
           </a:blip>
+          <a:srcRect/>
           <a:stretch>
             <a:fillRect/>
           </a:stretch>
         </p:blipFill>
-        <p:spPr>
+        <p:spPr bwMode="auto">
           <a:xfrm>
-            <a:off x="120318" y="2157592"/>
-            <a:ext cx="8930106" cy="3878994"/>
+            <a:off x="713434" y="1930400"/>
+            <a:ext cx="7998488" cy="4601030"/>
           </a:xfrm>
           <a:prstGeom prst="rect">
             <a:avLst/>
           </a:prstGeom>
+          <a:noFill/>
+          <a:extLst>
+            <a:ext uri="{909E8E84-426E-40DD-AFC4-6F175D3DCCD1}">
+              <a14:hiddenFill xmlns:a14="http://schemas.microsoft.com/office/drawing/2010/main">
+                <a:solidFill>
+                  <a:srgbClr val="FFFFFF"/>
+                </a:solidFill>
+              </a14:hiddenFill>
+            </a:ext>
+          </a:extLst>
         </p:spPr>
       </p:pic>
     </p:spTree>
@@ -9638,7 +9704,7 @@
         </p:nvGraphicFramePr>
         <p:xfrm>
           <a:off x="101601" y="615406"/>
-          <a:ext cx="9042400" cy="6208768"/>
+          <a:ext cx="9042400" cy="6137706"/>
         </p:xfrm>
         <a:graphic>
           <a:graphicData uri="http://schemas.openxmlformats.org/drawingml/2006/table">
@@ -13311,7 +13377,7 @@
   <p:timing>
     <p:tnLst>
       <p:par>
-        <p:cTn xmlns:p14="http://schemas.microsoft.com/office/powerpoint/2010/main" id="1" dur="indefinite" restart="never" nodeType="tmRoot"/>
+        <p:cTn id="1" dur="indefinite" restart="never" nodeType="tmRoot"/>
       </p:par>
     </p:tnLst>
   </p:timing>
@@ -15459,7 +15525,7 @@
   <p:timing>
     <p:tnLst>
       <p:par>
-        <p:cTn xmlns:p14="http://schemas.microsoft.com/office/powerpoint/2010/main" id="1" dur="indefinite" restart="never" nodeType="tmRoot"/>
+        <p:cTn id="1" dur="indefinite" restart="never" nodeType="tmRoot"/>
       </p:par>
     </p:tnLst>
   </p:timing>
@@ -15558,7 +15624,7 @@
   <p:timing>
     <p:tnLst>
       <p:par>
-        <p:cTn xmlns:p14="http://schemas.microsoft.com/office/powerpoint/2010/main" id="1" dur="indefinite" restart="never" nodeType="tmRoot"/>
+        <p:cTn id="1" dur="indefinite" restart="never" nodeType="tmRoot"/>
       </p:par>
     </p:tnLst>
   </p:timing>
@@ -15656,7 +15722,7 @@
   <p:timing>
     <p:tnLst>
       <p:par>
-        <p:cTn xmlns:p14="http://schemas.microsoft.com/office/powerpoint/2010/main" id="1" dur="indefinite" restart="never" nodeType="tmRoot"/>
+        <p:cTn id="1" dur="indefinite" restart="never" nodeType="tmRoot"/>
       </p:par>
     </p:tnLst>
   </p:timing>
@@ -15950,7 +16016,7 @@
   <p:timing>
     <p:tnLst>
       <p:par>
-        <p:cTn xmlns:p14="http://schemas.microsoft.com/office/powerpoint/2010/main" id="1" dur="indefinite" restart="never" nodeType="tmRoot"/>
+        <p:cTn id="1" dur="indefinite" restart="never" nodeType="tmRoot"/>
       </p:par>
     </p:tnLst>
   </p:timing>
@@ -16476,7 +16542,7 @@
   <p:timing>
     <p:tnLst>
       <p:par>
-        <p:cTn xmlns:p14="http://schemas.microsoft.com/office/powerpoint/2010/main" id="1" dur="indefinite" restart="never" nodeType="tmRoot"/>
+        <p:cTn id="1" dur="indefinite" restart="never" nodeType="tmRoot"/>
       </p:par>
     </p:tnLst>
   </p:timing>
@@ -17106,7 +17172,7 @@
   <p:timing>
     <p:tnLst>
       <p:par>
-        <p:cTn xmlns:p14="http://schemas.microsoft.com/office/powerpoint/2010/main" id="1" dur="indefinite" restart="never" nodeType="tmRoot"/>
+        <p:cTn id="1" dur="indefinite" restart="never" nodeType="tmRoot"/>
       </p:par>
     </p:tnLst>
   </p:timing>
@@ -17239,7 +17305,7 @@
   <p:timing>
     <p:tnLst>
       <p:par>
-        <p:cTn xmlns:p14="http://schemas.microsoft.com/office/powerpoint/2010/main" id="1" dur="indefinite" restart="never" nodeType="tmRoot"/>
+        <p:cTn id="1" dur="indefinite" restart="never" nodeType="tmRoot"/>
       </p:par>
     </p:tnLst>
   </p:timing>
@@ -17374,7 +17440,7 @@
   <p:timing>
     <p:tnLst>
       <p:par>
-        <p:cTn xmlns:p14="http://schemas.microsoft.com/office/powerpoint/2010/main" id="1" dur="indefinite" restart="never" nodeType="tmRoot"/>
+        <p:cTn id="1" dur="indefinite" restart="never" nodeType="tmRoot"/>
       </p:par>
     </p:tnLst>
   </p:timing>
